--- a/PharmaFriend.pptx
+++ b/PharmaFriend.pptx
@@ -1,6 +1,6 @@
 
 <file path=ppt/presentation.xml><?xml version="1.0" encoding="utf-8"?>
-<p:presentation xmlns:a="http://schemas.openxmlformats.org/drawingml/2006/main" xmlns:r="http://schemas.openxmlformats.org/officeDocument/2006/relationships" xmlns:mc="http://schemas.openxmlformats.org/markup-compatibility/2006" xmlns:mv="urn:schemas-microsoft-com:mac:vml" xmlns:p="http://schemas.openxmlformats.org/presentationml/2006/main" xmlns:c="http://schemas.openxmlformats.org/drawingml/2006/chart" xmlns:dgm="http://schemas.openxmlformats.org/drawingml/2006/diagram" xmlns:o="urn:schemas-microsoft-com:office:office" xmlns:v="urn:schemas-microsoft-com:vml" xmlns:pvml="urn:schemas-microsoft-com:office:powerpoint" xmlns:com="http://schemas.openxmlformats.org/drawingml/2006/compatibility" xmlns:p14="http://schemas.microsoft.com/office/powerpoint/2010/main" xmlns:p15="http://schemas.microsoft.com/office/powerpoint/2012/main" autoCompressPictures="0" embedTrueTypeFonts="1" strictFirstAndLastChars="0" saveSubsetFonts="1">
+<p:presentation xmlns:a="http://schemas.openxmlformats.org/drawingml/2006/main" xmlns:r="http://schemas.openxmlformats.org/officeDocument/2006/relationships" xmlns:mc="http://schemas.openxmlformats.org/markup-compatibility/2006" xmlns:mv="urn:schemas-microsoft-com:mac:vml" xmlns:p="http://schemas.openxmlformats.org/presentationml/2006/main" xmlns:c="http://schemas.openxmlformats.org/drawingml/2006/chart" xmlns:dgm="http://schemas.openxmlformats.org/drawingml/2006/diagram" xmlns:o="urn:schemas-microsoft-com:office:office" xmlns:v="urn:schemas-microsoft-com:vml" xmlns:pvml="urn:schemas-microsoft-com:office:powerpoint" xmlns:com="http://schemas.openxmlformats.org/drawingml/2006/compatibility" xmlns:p14="http://schemas.microsoft.com/office/powerpoint/2010/main" xmlns:p15="http://schemas.microsoft.com/office/powerpoint/2012/main" autoCompressPictures="0" strictFirstAndLastChars="0" saveSubsetFonts="1">
   <p:sldMasterIdLst>
     <p:sldMasterId id="2147483659" r:id="rId3"/>
   </p:sldMasterIdLst>
@@ -22,17 +22,9 @@
     <p:sldId id="267" r:id="rId16"/>
     <p:sldId id="268" r:id="rId17"/>
     <p:sldId id="269" r:id="rId18"/>
-    <p:sldId id="270" r:id="rId19"/>
   </p:sldIdLst>
   <p:sldSz cy="5143500" cx="9144000"/>
   <p:notesSz cx="6858000" cy="9144000"/>
-  <p:embeddedFontLst>
-    <p:embeddedFont>
-      <p:font typeface="Caveat"/>
-      <p:regular r:id="rId20"/>
-      <p:bold r:id="rId21"/>
-    </p:embeddedFont>
-  </p:embeddedFontLst>
   <p:defaultTextStyle>
     <a:defPPr lvl="0" marR="0" rtl="0" algn="l">
       <a:lnSpc>
@@ -793,7 +785,7 @@
   <p:cSld>
     <p:spTree>
       <p:nvGrpSpPr>
-        <p:cNvPr id="113" name="Shape 113"/>
+        <p:cNvPr id="115" name="Shape 115"/>
         <p:cNvGrpSpPr/>
         <p:nvPr/>
       </p:nvGrpSpPr>
@@ -807,7 +799,7 @@
       </p:grpSpPr>
       <p:sp>
         <p:nvSpPr>
-          <p:cNvPr id="114" name="Google Shape;114;g4ba0f0997e_0_3373:notes"/>
+          <p:cNvPr id="116" name="Google Shape;116;g4ba0f0997e_0_3355:notes"/>
           <p:cNvSpPr/>
           <p:nvPr>
             <p:ph idx="2" type="sldImg"/>
@@ -842,7 +834,7 @@
       </p:sp>
       <p:sp>
         <p:nvSpPr>
-          <p:cNvPr id="115" name="Google Shape;115;g4ba0f0997e_0_3373:notes"/>
+          <p:cNvPr id="117" name="Google Shape;117;g4ba0f0997e_0_3355:notes"/>
           <p:cNvSpPr txBox="1"/>
           <p:nvPr>
             <p:ph idx="1" type="body"/>
@@ -892,7 +884,7 @@
   <p:cSld>
     <p:spTree>
       <p:nvGrpSpPr>
-        <p:cNvPr id="119" name="Shape 119"/>
+        <p:cNvPr id="122" name="Shape 122"/>
         <p:cNvGrpSpPr/>
         <p:nvPr/>
       </p:nvGrpSpPr>
@@ -906,7 +898,7 @@
       </p:grpSpPr>
       <p:sp>
         <p:nvSpPr>
-          <p:cNvPr id="120" name="Google Shape;120;g4ba0f0997e_0_2284:notes"/>
+          <p:cNvPr id="123" name="Google Shape;123;g4ba0f0997e_0_3373:notes"/>
           <p:cNvSpPr/>
           <p:nvPr>
             <p:ph idx="2" type="sldImg"/>
@@ -941,7 +933,7 @@
       </p:sp>
       <p:sp>
         <p:nvSpPr>
-          <p:cNvPr id="121" name="Google Shape;121;g4ba0f0997e_0_2284:notes"/>
+          <p:cNvPr id="124" name="Google Shape;124;g4ba0f0997e_0_3373:notes"/>
           <p:cNvSpPr txBox="1"/>
           <p:nvPr>
             <p:ph idx="1" type="body"/>
@@ -991,7 +983,7 @@
   <p:cSld>
     <p:spTree>
       <p:nvGrpSpPr>
-        <p:cNvPr id="127" name="Shape 127"/>
+        <p:cNvPr id="128" name="Shape 128"/>
         <p:cNvGrpSpPr/>
         <p:nvPr/>
       </p:nvGrpSpPr>
@@ -1005,7 +997,7 @@
       </p:grpSpPr>
       <p:sp>
         <p:nvSpPr>
-          <p:cNvPr id="128" name="Google Shape;128;g4ba0f0997e_0_3446:notes"/>
+          <p:cNvPr id="129" name="Google Shape;129;g4ba0f0997e_0_3446:notes"/>
           <p:cNvSpPr/>
           <p:nvPr>
             <p:ph idx="2" type="sldImg"/>
@@ -1040,7 +1032,7 @@
       </p:sp>
       <p:sp>
         <p:nvSpPr>
-          <p:cNvPr id="129" name="Google Shape;129;g4ba0f0997e_0_3446:notes"/>
+          <p:cNvPr id="130" name="Google Shape;130;g4ba0f0997e_0_3446:notes"/>
           <p:cNvSpPr txBox="1"/>
           <p:nvPr>
             <p:ph idx="1" type="body"/>
@@ -1090,7 +1082,7 @@
   <p:cSld>
     <p:spTree>
       <p:nvGrpSpPr>
-        <p:cNvPr id="141" name="Shape 141"/>
+        <p:cNvPr id="142" name="Shape 142"/>
         <p:cNvGrpSpPr/>
         <p:nvPr/>
       </p:nvGrpSpPr>
@@ -1104,7 +1096,7 @@
       </p:grpSpPr>
       <p:sp>
         <p:nvSpPr>
-          <p:cNvPr id="142" name="Google Shape;142;g4ba0f0997e_0_3441:notes"/>
+          <p:cNvPr id="143" name="Google Shape;143;g4ba0f0997e_0_3400:notes"/>
           <p:cNvSpPr/>
           <p:nvPr>
             <p:ph idx="2" type="sldImg"/>
@@ -1139,7 +1131,7 @@
       </p:sp>
       <p:sp>
         <p:nvSpPr>
-          <p:cNvPr id="143" name="Google Shape;143;g4ba0f0997e_0_3441:notes"/>
+          <p:cNvPr id="144" name="Google Shape;144;g4ba0f0997e_0_3400:notes"/>
           <p:cNvSpPr txBox="1"/>
           <p:nvPr>
             <p:ph idx="1" type="body"/>
@@ -1189,7 +1181,7 @@
   <p:cSld>
     <p:spTree>
       <p:nvGrpSpPr>
-        <p:cNvPr id="147" name="Shape 147"/>
+        <p:cNvPr id="152" name="Shape 152"/>
         <p:cNvGrpSpPr/>
         <p:nvPr/>
       </p:nvGrpSpPr>
@@ -1203,7 +1195,7 @@
       </p:grpSpPr>
       <p:sp>
         <p:nvSpPr>
-          <p:cNvPr id="148" name="Google Shape;148;g4ba0f0997e_0_3400:notes"/>
+          <p:cNvPr id="153" name="Google Shape;153;g4ba0f0997e_0_3437:notes"/>
           <p:cNvSpPr/>
           <p:nvPr>
             <p:ph idx="2" type="sldImg"/>
@@ -1238,106 +1230,7 @@
       </p:sp>
       <p:sp>
         <p:nvSpPr>
-          <p:cNvPr id="149" name="Google Shape;149;g4ba0f0997e_0_3400:notes"/>
-          <p:cNvSpPr txBox="1"/>
-          <p:nvPr>
-            <p:ph idx="1" type="body"/>
-          </p:nvPr>
-        </p:nvSpPr>
-        <p:spPr>
-          <a:xfrm>
-            <a:off x="685800" y="4343400"/>
-            <a:ext cx="5486400" cy="4114800"/>
-          </a:xfrm>
-          <a:prstGeom prst="rect">
-            <a:avLst/>
-          </a:prstGeom>
-        </p:spPr>
-        <p:txBody>
-          <a:bodyPr anchorCtr="0" anchor="t" bIns="91425" lIns="91425" spcFirstLastPara="1" rIns="91425" wrap="square" tIns="91425">
-            <a:noAutofit/>
-          </a:bodyPr>
-          <a:lstStyle/>
-          <a:p>
-            <a:pPr indent="0" lvl="0" marL="0" rtl="0" algn="l">
-              <a:spcBef>
-                <a:spcPts val="0"/>
-              </a:spcBef>
-              <a:spcAft>
-                <a:spcPts val="0"/>
-              </a:spcAft>
-              <a:buNone/>
-            </a:pPr>
-            <a:r>
-              <a:t/>
-            </a:r>
-            <a:endParaRPr/>
-          </a:p>
-        </p:txBody>
-      </p:sp>
-    </p:spTree>
-  </p:cSld>
-  <p:clrMapOvr>
-    <a:masterClrMapping/>
-  </p:clrMapOvr>
-</p:notes>
-</file>
-
-<file path=ppt/notesSlides/notesSlide15.xml><?xml version="1.0" encoding="utf-8"?>
-<p:notes xmlns:a="http://schemas.openxmlformats.org/drawingml/2006/main" xmlns:r="http://schemas.openxmlformats.org/officeDocument/2006/relationships" xmlns:mc="http://schemas.openxmlformats.org/markup-compatibility/2006" xmlns:mv="urn:schemas-microsoft-com:mac:vml" xmlns:p="http://schemas.openxmlformats.org/presentationml/2006/main" xmlns:c="http://schemas.openxmlformats.org/drawingml/2006/chart" xmlns:dgm="http://schemas.openxmlformats.org/drawingml/2006/diagram" xmlns:o="urn:schemas-microsoft-com:office:office" xmlns:v="urn:schemas-microsoft-com:vml" xmlns:pvml="urn:schemas-microsoft-com:office:powerpoint" xmlns:com="http://schemas.openxmlformats.org/drawingml/2006/compatibility" xmlns:p14="http://schemas.microsoft.com/office/powerpoint/2010/main" xmlns:p15="http://schemas.microsoft.com/office/powerpoint/2012/main" showMasterPhAnim="0" showMasterSp="0">
-  <p:cSld>
-    <p:spTree>
-      <p:nvGrpSpPr>
-        <p:cNvPr id="157" name="Shape 157"/>
-        <p:cNvGrpSpPr/>
-        <p:nvPr/>
-      </p:nvGrpSpPr>
-      <p:grpSpPr>
-        <a:xfrm>
-          <a:off x="0" y="0"/>
-          <a:ext cx="0" cy="0"/>
-          <a:chOff x="0" y="0"/>
-          <a:chExt cx="0" cy="0"/>
-        </a:xfrm>
-      </p:grpSpPr>
-      <p:sp>
-        <p:nvSpPr>
-          <p:cNvPr id="158" name="Google Shape;158;g4ba0f0997e_0_3437:notes"/>
-          <p:cNvSpPr/>
-          <p:nvPr>
-            <p:ph idx="2" type="sldImg"/>
-          </p:nvPr>
-        </p:nvSpPr>
-        <p:spPr>
-          <a:xfrm>
-            <a:off x="381300" y="685800"/>
-            <a:ext cx="6096000" cy="3429000"/>
-          </a:xfrm>
-          <a:custGeom>
-            <a:rect b="b" l="l" r="r" t="t"/>
-            <a:pathLst>
-              <a:path extrusionOk="0" h="120000" w="120000">
-                <a:moveTo>
-                  <a:pt x="0" y="0"/>
-                </a:moveTo>
-                <a:lnTo>
-                  <a:pt x="120000" y="0"/>
-                </a:lnTo>
-                <a:lnTo>
-                  <a:pt x="120000" y="120000"/>
-                </a:lnTo>
-                <a:lnTo>
-                  <a:pt x="0" y="120000"/>
-                </a:lnTo>
-                <a:close/>
-              </a:path>
-            </a:pathLst>
-          </a:custGeom>
-        </p:spPr>
-      </p:sp>
-      <p:sp>
-        <p:nvSpPr>
-          <p:cNvPr id="159" name="Google Shape;159;g4ba0f0997e_0_3437:notes"/>
+          <p:cNvPr id="154" name="Google Shape;154;g4ba0f0997e_0_3437:notes"/>
           <p:cNvSpPr txBox="1"/>
           <p:nvPr>
             <p:ph idx="1" type="body"/>
@@ -2094,7 +1987,7 @@
       </p:grpSpPr>
       <p:sp>
         <p:nvSpPr>
-          <p:cNvPr id="107" name="Google Shape;107;g4ba0f0997e_0_3355:notes"/>
+          <p:cNvPr id="107" name="Google Shape;107;g4ba0f0997e_0_2284:notes"/>
           <p:cNvSpPr/>
           <p:nvPr>
             <p:ph idx="2" type="sldImg"/>
@@ -2129,7 +2022,7 @@
       </p:sp>
       <p:sp>
         <p:nvSpPr>
-          <p:cNvPr id="108" name="Google Shape;108;g4ba0f0997e_0_3355:notes"/>
+          <p:cNvPr id="108" name="Google Shape;108;g4ba0f0997e_0_2284:notes"/>
           <p:cNvSpPr txBox="1"/>
           <p:nvPr>
             <p:ph idx="1" type="body"/>
@@ -5531,9 +5424,14 @@
   <p:cSld name="simple-light-2">
     <p:bg>
       <p:bgPr>
-        <a:solidFill>
-          <a:schemeClr val="lt1"/>
-        </a:solidFill>
+        <a:blipFill>
+          <a:blip r:embed="rId1">
+            <a:alphaModFix/>
+          </a:blip>
+          <a:stretch>
+            <a:fillRect/>
+          </a:stretch>
+        </a:blipFill>
       </p:bgPr>
     </p:bg>
     <p:spTree>
@@ -6078,17 +5976,17 @@
   </p:cSld>
   <p:clrMap accent1="accent1" accent2="accent2" accent3="accent3" accent4="accent4" accent5="accent5" accent6="accent6" bg1="lt1" bg2="dk2" tx1="dk1" tx2="lt2" folHlink="folHlink" hlink="hlink"/>
   <p:sldLayoutIdLst>
-    <p:sldLayoutId id="2147483648" r:id="rId1"/>
-    <p:sldLayoutId id="2147483649" r:id="rId2"/>
-    <p:sldLayoutId id="2147483650" r:id="rId3"/>
-    <p:sldLayoutId id="2147483651" r:id="rId4"/>
-    <p:sldLayoutId id="2147483652" r:id="rId5"/>
-    <p:sldLayoutId id="2147483653" r:id="rId6"/>
-    <p:sldLayoutId id="2147483654" r:id="rId7"/>
-    <p:sldLayoutId id="2147483655" r:id="rId8"/>
-    <p:sldLayoutId id="2147483656" r:id="rId9"/>
-    <p:sldLayoutId id="2147483657" r:id="rId10"/>
-    <p:sldLayoutId id="2147483658" r:id="rId11"/>
+    <p:sldLayoutId id="2147483648" r:id="rId2"/>
+    <p:sldLayoutId id="2147483649" r:id="rId3"/>
+    <p:sldLayoutId id="2147483650" r:id="rId4"/>
+    <p:sldLayoutId id="2147483651" r:id="rId5"/>
+    <p:sldLayoutId id="2147483652" r:id="rId6"/>
+    <p:sldLayoutId id="2147483653" r:id="rId7"/>
+    <p:sldLayoutId id="2147483654" r:id="rId8"/>
+    <p:sldLayoutId id="2147483655" r:id="rId9"/>
+    <p:sldLayoutId id="2147483656" r:id="rId10"/>
+    <p:sldLayoutId id="2147483657" r:id="rId11"/>
+    <p:sldLayoutId id="2147483658" r:id="rId12"/>
   </p:sldLayoutIdLst>
   <p:hf dt="0" ftr="0" hdr="0" sldNum="0"/>
   <p:txStyles>
@@ -6786,13 +6684,6 @@
 <file path=ppt/slides/slide1.xml><?xml version="1.0" encoding="utf-8"?>
 <p:sld xmlns:a="http://schemas.openxmlformats.org/drawingml/2006/main" xmlns:r="http://schemas.openxmlformats.org/officeDocument/2006/relationships" xmlns:mc="http://schemas.openxmlformats.org/markup-compatibility/2006" xmlns:mv="urn:schemas-microsoft-com:mac:vml" xmlns:p="http://schemas.openxmlformats.org/presentationml/2006/main" xmlns:c="http://schemas.openxmlformats.org/drawingml/2006/chart" xmlns:dgm="http://schemas.openxmlformats.org/drawingml/2006/diagram" xmlns:o="urn:schemas-microsoft-com:office:office" xmlns:v="urn:schemas-microsoft-com:vml" xmlns:pvml="urn:schemas-microsoft-com:office:powerpoint" xmlns:com="http://schemas.openxmlformats.org/drawingml/2006/compatibility" xmlns:p14="http://schemas.microsoft.com/office/powerpoint/2010/main" xmlns:p15="http://schemas.microsoft.com/office/powerpoint/2012/main">
   <p:cSld>
-    <p:bg>
-      <p:bgPr>
-        <a:solidFill>
-          <a:srgbClr val="F3F3F3"/>
-        </a:solidFill>
-      </p:bgPr>
-    </p:bg>
     <p:spTree>
       <p:nvGrpSpPr>
         <p:cNvPr id="53" name="Shape 53"/>
@@ -6826,6 +6717,793 @@
         </p:spPr>
         <p:txBody>
           <a:bodyPr anchorCtr="0" anchor="b" bIns="91425" lIns="91425" spcFirstLastPara="1" rIns="91425" wrap="square" tIns="91425">
+            <a:noAutofit/>
+          </a:bodyPr>
+          <a:lstStyle/>
+          <a:p>
+            <a:pPr indent="0" lvl="0" marL="0" rtl="0" algn="ctr">
+              <a:spcBef>
+                <a:spcPts val="0"/>
+              </a:spcBef>
+              <a:spcAft>
+                <a:spcPts val="0"/>
+              </a:spcAft>
+              <a:buNone/>
+            </a:pPr>
+            <a:r>
+              <a:rPr b="1" lang="pt-PT" sz="9600">
+                <a:solidFill>
+                  <a:srgbClr val="6AA84F"/>
+                </a:solidFill>
+                <a:latin typeface="Calibri"/>
+                <a:ea typeface="Calibri"/>
+                <a:cs typeface="Calibri"/>
+                <a:sym typeface="Calibri"/>
+              </a:rPr>
+              <a:t>Pharma</a:t>
+            </a:r>
+            <a:r>
+              <a:rPr b="1" lang="pt-PT" sz="9600">
+                <a:solidFill>
+                  <a:srgbClr val="179E0B"/>
+                </a:solidFill>
+                <a:latin typeface="Calibri"/>
+                <a:ea typeface="Calibri"/>
+                <a:cs typeface="Calibri"/>
+                <a:sym typeface="Calibri"/>
+              </a:rPr>
+              <a:t>Friend</a:t>
+            </a:r>
+            <a:endParaRPr b="1" sz="9600">
+              <a:solidFill>
+                <a:srgbClr val="179E0B"/>
+              </a:solidFill>
+              <a:latin typeface="Calibri"/>
+              <a:ea typeface="Calibri"/>
+              <a:cs typeface="Calibri"/>
+              <a:sym typeface="Calibri"/>
+            </a:endParaRPr>
+          </a:p>
+        </p:txBody>
+      </p:sp>
+      <p:sp>
+        <p:nvSpPr>
+          <p:cNvPr id="55" name="Google Shape;55;p13"/>
+          <p:cNvSpPr txBox="1"/>
+          <p:nvPr>
+            <p:ph idx="1" type="subTitle"/>
+          </p:nvPr>
+        </p:nvSpPr>
+        <p:spPr>
+          <a:xfrm>
+            <a:off x="0" y="2407750"/>
+            <a:ext cx="9144000" cy="701400"/>
+          </a:xfrm>
+          <a:prstGeom prst="rect">
+            <a:avLst/>
+          </a:prstGeom>
+        </p:spPr>
+        <p:txBody>
+          <a:bodyPr anchorCtr="0" anchor="t" bIns="91425" lIns="91425" spcFirstLastPara="1" rIns="91425" wrap="square" tIns="91425">
+            <a:noAutofit/>
+          </a:bodyPr>
+          <a:lstStyle/>
+          <a:p>
+            <a:pPr indent="0" lvl="0" marL="0" rtl="0" algn="ctr">
+              <a:spcBef>
+                <a:spcPts val="0"/>
+              </a:spcBef>
+              <a:spcAft>
+                <a:spcPts val="0"/>
+              </a:spcAft>
+              <a:buNone/>
+            </a:pPr>
+            <a:r>
+              <a:rPr b="0" lang="pt-PT" sz="2400">
+                <a:solidFill>
+                  <a:srgbClr val="000000"/>
+                </a:solidFill>
+                <a:latin typeface="Calibri"/>
+                <a:ea typeface="Calibri"/>
+                <a:cs typeface="Calibri"/>
+                <a:sym typeface="Calibri"/>
+              </a:rPr>
+              <a:t>Simplify your search.</a:t>
+            </a:r>
+            <a:endParaRPr b="0" sz="2400">
+              <a:solidFill>
+                <a:srgbClr val="000000"/>
+              </a:solidFill>
+              <a:latin typeface="Calibri"/>
+              <a:ea typeface="Calibri"/>
+              <a:cs typeface="Calibri"/>
+              <a:sym typeface="Calibri"/>
+            </a:endParaRPr>
+          </a:p>
+        </p:txBody>
+      </p:sp>
+      <p:pic>
+        <p:nvPicPr>
+          <p:cNvPr id="56" name="Google Shape;56;p13"/>
+          <p:cNvPicPr preferRelativeResize="0"/>
+          <p:nvPr/>
+        </p:nvPicPr>
+        <p:blipFill>
+          <a:blip r:embed="rId3">
+            <a:alphaModFix/>
+          </a:blip>
+          <a:stretch>
+            <a:fillRect/>
+          </a:stretch>
+        </p:blipFill>
+        <p:spPr>
+          <a:xfrm>
+            <a:off x="-10" y="4709788"/>
+            <a:ext cx="1290935" cy="423300"/>
+          </a:xfrm>
+          <a:prstGeom prst="rect">
+            <a:avLst/>
+          </a:prstGeom>
+          <a:noFill/>
+          <a:ln>
+            <a:noFill/>
+          </a:ln>
+        </p:spPr>
+      </p:pic>
+      <p:pic>
+        <p:nvPicPr>
+          <p:cNvPr id="57" name="Google Shape;57;p13"/>
+          <p:cNvPicPr preferRelativeResize="0"/>
+          <p:nvPr/>
+        </p:nvPicPr>
+        <p:blipFill>
+          <a:blip r:embed="rId4">
+            <a:alphaModFix/>
+          </a:blip>
+          <a:stretch>
+            <a:fillRect/>
+          </a:stretch>
+        </p:blipFill>
+        <p:spPr>
+          <a:xfrm>
+            <a:off x="8195025" y="4699375"/>
+            <a:ext cx="948975" cy="444125"/>
+          </a:xfrm>
+          <a:prstGeom prst="rect">
+            <a:avLst/>
+          </a:prstGeom>
+          <a:noFill/>
+          <a:ln>
+            <a:noFill/>
+          </a:ln>
+        </p:spPr>
+      </p:pic>
+    </p:spTree>
+  </p:cSld>
+  <p:clrMapOvr>
+    <a:masterClrMapping/>
+  </p:clrMapOvr>
+</p:sld>
+</file>
+
+<file path=ppt/slides/slide10.xml><?xml version="1.0" encoding="utf-8"?>
+<p:sld xmlns:a="http://schemas.openxmlformats.org/drawingml/2006/main" xmlns:r="http://schemas.openxmlformats.org/officeDocument/2006/relationships" xmlns:mc="http://schemas.openxmlformats.org/markup-compatibility/2006" xmlns:mv="urn:schemas-microsoft-com:mac:vml" xmlns:p="http://schemas.openxmlformats.org/presentationml/2006/main" xmlns:c="http://schemas.openxmlformats.org/drawingml/2006/chart" xmlns:dgm="http://schemas.openxmlformats.org/drawingml/2006/diagram" xmlns:o="urn:schemas-microsoft-com:office:office" xmlns:v="urn:schemas-microsoft-com:vml" xmlns:pvml="urn:schemas-microsoft-com:office:powerpoint" xmlns:com="http://schemas.openxmlformats.org/drawingml/2006/compatibility" xmlns:p14="http://schemas.microsoft.com/office/powerpoint/2010/main" xmlns:p15="http://schemas.microsoft.com/office/powerpoint/2012/main">
+  <p:cSld>
+    <p:spTree>
+      <p:nvGrpSpPr>
+        <p:cNvPr id="118" name="Shape 118"/>
+        <p:cNvGrpSpPr/>
+        <p:nvPr/>
+      </p:nvGrpSpPr>
+      <p:grpSpPr>
+        <a:xfrm>
+          <a:off x="0" y="0"/>
+          <a:ext cx="0" cy="0"/>
+          <a:chOff x="0" y="0"/>
+          <a:chExt cx="0" cy="0"/>
+        </a:xfrm>
+      </p:grpSpPr>
+      <p:pic>
+        <p:nvPicPr>
+          <p:cNvPr id="119" name="Google Shape;119;p22"/>
+          <p:cNvPicPr preferRelativeResize="0"/>
+          <p:nvPr/>
+        </p:nvPicPr>
+        <p:blipFill>
+          <a:blip r:embed="rId3">
+            <a:alphaModFix/>
+          </a:blip>
+          <a:stretch>
+            <a:fillRect/>
+          </a:stretch>
+        </p:blipFill>
+        <p:spPr>
+          <a:xfrm>
+            <a:off x="263924" y="779625"/>
+            <a:ext cx="4193425" cy="4245750"/>
+          </a:xfrm>
+          <a:prstGeom prst="rect">
+            <a:avLst/>
+          </a:prstGeom>
+          <a:noFill/>
+          <a:ln cap="flat" cmpd="sng" w="28575">
+            <a:solidFill>
+              <a:srgbClr val="000000"/>
+            </a:solidFill>
+            <a:prstDash val="solid"/>
+            <a:round/>
+            <a:headEnd len="sm" w="sm" type="none"/>
+            <a:tailEnd len="sm" w="sm" type="none"/>
+          </a:ln>
+        </p:spPr>
+      </p:pic>
+      <p:pic>
+        <p:nvPicPr>
+          <p:cNvPr id="120" name="Google Shape;120;p22"/>
+          <p:cNvPicPr preferRelativeResize="0"/>
+          <p:nvPr/>
+        </p:nvPicPr>
+        <p:blipFill>
+          <a:blip r:embed="rId4">
+            <a:alphaModFix/>
+          </a:blip>
+          <a:stretch>
+            <a:fillRect/>
+          </a:stretch>
+        </p:blipFill>
+        <p:spPr>
+          <a:xfrm>
+            <a:off x="4727825" y="779625"/>
+            <a:ext cx="4082066" cy="4245750"/>
+          </a:xfrm>
+          <a:prstGeom prst="rect">
+            <a:avLst/>
+          </a:prstGeom>
+          <a:noFill/>
+          <a:ln cap="flat" cmpd="sng" w="28575">
+            <a:solidFill>
+              <a:srgbClr val="000000"/>
+            </a:solidFill>
+            <a:prstDash val="solid"/>
+            <a:round/>
+            <a:headEnd len="sm" w="sm" type="none"/>
+            <a:tailEnd len="sm" w="sm" type="none"/>
+          </a:ln>
+        </p:spPr>
+      </p:pic>
+      <p:sp>
+        <p:nvSpPr>
+          <p:cNvPr id="121" name="Google Shape;121;p22"/>
+          <p:cNvSpPr txBox="1"/>
+          <p:nvPr>
+            <p:ph type="title"/>
+          </p:nvPr>
+        </p:nvSpPr>
+        <p:spPr>
+          <a:xfrm>
+            <a:off x="0" y="0"/>
+            <a:ext cx="9144000" cy="621000"/>
+          </a:xfrm>
+          <a:prstGeom prst="rect">
+            <a:avLst/>
+          </a:prstGeom>
+        </p:spPr>
+        <p:txBody>
+          <a:bodyPr anchorCtr="0" anchor="t" bIns="91425" lIns="91425" spcFirstLastPara="1" rIns="91425" wrap="square" tIns="91425">
+            <a:noAutofit/>
+          </a:bodyPr>
+          <a:lstStyle/>
+          <a:p>
+            <a:pPr indent="0" lvl="0" marL="0" rtl="0" algn="ctr">
+              <a:spcBef>
+                <a:spcPts val="0"/>
+              </a:spcBef>
+              <a:spcAft>
+                <a:spcPts val="0"/>
+              </a:spcAft>
+              <a:buNone/>
+            </a:pPr>
+            <a:r>
+              <a:rPr b="1" lang="pt-PT" sz="3200">
+                <a:latin typeface="Calibri"/>
+                <a:ea typeface="Calibri"/>
+                <a:cs typeface="Calibri"/>
+                <a:sym typeface="Calibri"/>
+              </a:rPr>
+              <a:t>Searching a medicine...</a:t>
+            </a:r>
+            <a:endParaRPr b="1" sz="3200">
+              <a:latin typeface="Calibri"/>
+              <a:ea typeface="Calibri"/>
+              <a:cs typeface="Calibri"/>
+              <a:sym typeface="Calibri"/>
+            </a:endParaRPr>
+          </a:p>
+        </p:txBody>
+      </p:sp>
+    </p:spTree>
+  </p:cSld>
+  <p:clrMapOvr>
+    <a:masterClrMapping/>
+  </p:clrMapOvr>
+</p:sld>
+</file>
+
+<file path=ppt/slides/slide11.xml><?xml version="1.0" encoding="utf-8"?>
+<p:sld xmlns:a="http://schemas.openxmlformats.org/drawingml/2006/main" xmlns:r="http://schemas.openxmlformats.org/officeDocument/2006/relationships" xmlns:mc="http://schemas.openxmlformats.org/markup-compatibility/2006" xmlns:mv="urn:schemas-microsoft-com:mac:vml" xmlns:p="http://schemas.openxmlformats.org/presentationml/2006/main" xmlns:c="http://schemas.openxmlformats.org/drawingml/2006/chart" xmlns:dgm="http://schemas.openxmlformats.org/drawingml/2006/diagram" xmlns:o="urn:schemas-microsoft-com:office:office" xmlns:v="urn:schemas-microsoft-com:vml" xmlns:pvml="urn:schemas-microsoft-com:office:powerpoint" xmlns:com="http://schemas.openxmlformats.org/drawingml/2006/compatibility" xmlns:p14="http://schemas.microsoft.com/office/powerpoint/2010/main" xmlns:p15="http://schemas.microsoft.com/office/powerpoint/2012/main">
+  <p:cSld>
+    <p:spTree>
+      <p:nvGrpSpPr>
+        <p:cNvPr id="125" name="Shape 125"/>
+        <p:cNvGrpSpPr/>
+        <p:nvPr/>
+      </p:nvGrpSpPr>
+      <p:grpSpPr>
+        <a:xfrm>
+          <a:off x="0" y="0"/>
+          <a:ext cx="0" cy="0"/>
+          <a:chOff x="0" y="0"/>
+          <a:chExt cx="0" cy="0"/>
+        </a:xfrm>
+      </p:grpSpPr>
+      <p:pic>
+        <p:nvPicPr>
+          <p:cNvPr id="126" name="Google Shape;126;p23"/>
+          <p:cNvPicPr preferRelativeResize="0"/>
+          <p:nvPr/>
+        </p:nvPicPr>
+        <p:blipFill rotWithShape="1">
+          <a:blip r:embed="rId3">
+            <a:alphaModFix/>
+          </a:blip>
+          <a:srcRect b="7841" l="0" r="0" t="21770"/>
+          <a:stretch/>
+        </p:blipFill>
+        <p:spPr>
+          <a:xfrm>
+            <a:off x="700963" y="955200"/>
+            <a:ext cx="7742075" cy="3933050"/>
+          </a:xfrm>
+          <a:prstGeom prst="rect">
+            <a:avLst/>
+          </a:prstGeom>
+          <a:noFill/>
+          <a:ln cap="flat" cmpd="sng" w="28575">
+            <a:solidFill>
+              <a:srgbClr val="000000"/>
+            </a:solidFill>
+            <a:prstDash val="solid"/>
+            <a:round/>
+            <a:headEnd len="sm" w="sm" type="none"/>
+            <a:tailEnd len="sm" w="sm" type="none"/>
+          </a:ln>
+        </p:spPr>
+      </p:pic>
+      <p:sp>
+        <p:nvSpPr>
+          <p:cNvPr id="127" name="Google Shape;127;p23"/>
+          <p:cNvSpPr txBox="1"/>
+          <p:nvPr>
+            <p:ph type="title"/>
+          </p:nvPr>
+        </p:nvSpPr>
+        <p:spPr>
+          <a:xfrm>
+            <a:off x="0" y="60750"/>
+            <a:ext cx="9144000" cy="695400"/>
+          </a:xfrm>
+          <a:prstGeom prst="rect">
+            <a:avLst/>
+          </a:prstGeom>
+        </p:spPr>
+        <p:txBody>
+          <a:bodyPr anchorCtr="0" anchor="t" bIns="91425" lIns="91425" spcFirstLastPara="1" rIns="91425" wrap="square" tIns="91425">
+            <a:noAutofit/>
+          </a:bodyPr>
+          <a:lstStyle/>
+          <a:p>
+            <a:pPr indent="0" lvl="0" marL="0" rtl="0" algn="ctr">
+              <a:spcBef>
+                <a:spcPts val="0"/>
+              </a:spcBef>
+              <a:spcAft>
+                <a:spcPts val="0"/>
+              </a:spcAft>
+              <a:buNone/>
+            </a:pPr>
+            <a:r>
+              <a:rPr b="1" lang="pt-PT" sz="3200">
+                <a:latin typeface="Calibri"/>
+                <a:ea typeface="Calibri"/>
+                <a:cs typeface="Calibri"/>
+                <a:sym typeface="Calibri"/>
+              </a:rPr>
+              <a:t>Search Results...</a:t>
+            </a:r>
+            <a:endParaRPr b="1" sz="3200">
+              <a:latin typeface="Calibri"/>
+              <a:ea typeface="Calibri"/>
+              <a:cs typeface="Calibri"/>
+              <a:sym typeface="Calibri"/>
+            </a:endParaRPr>
+          </a:p>
+        </p:txBody>
+      </p:sp>
+    </p:spTree>
+  </p:cSld>
+  <p:clrMapOvr>
+    <a:masterClrMapping/>
+  </p:clrMapOvr>
+</p:sld>
+</file>
+
+<file path=ppt/slides/slide12.xml><?xml version="1.0" encoding="utf-8"?>
+<p:sld xmlns:a="http://schemas.openxmlformats.org/drawingml/2006/main" xmlns:r="http://schemas.openxmlformats.org/officeDocument/2006/relationships" xmlns:mc="http://schemas.openxmlformats.org/markup-compatibility/2006" xmlns:mv="urn:schemas-microsoft-com:mac:vml" xmlns:p="http://schemas.openxmlformats.org/presentationml/2006/main" xmlns:c="http://schemas.openxmlformats.org/drawingml/2006/chart" xmlns:dgm="http://schemas.openxmlformats.org/drawingml/2006/diagram" xmlns:o="urn:schemas-microsoft-com:office:office" xmlns:v="urn:schemas-microsoft-com:vml" xmlns:pvml="urn:schemas-microsoft-com:office:powerpoint" xmlns:com="http://schemas.openxmlformats.org/drawingml/2006/compatibility" xmlns:p14="http://schemas.microsoft.com/office/powerpoint/2010/main" xmlns:p15="http://schemas.microsoft.com/office/powerpoint/2012/main">
+  <p:cSld>
+    <p:spTree>
+      <p:nvGrpSpPr>
+        <p:cNvPr id="131" name="Shape 131"/>
+        <p:cNvGrpSpPr/>
+        <p:nvPr/>
+      </p:nvGrpSpPr>
+      <p:grpSpPr>
+        <a:xfrm>
+          <a:off x="0" y="0"/>
+          <a:ext cx="0" cy="0"/>
+          <a:chOff x="0" y="0"/>
+          <a:chExt cx="0" cy="0"/>
+        </a:xfrm>
+      </p:grpSpPr>
+      <p:pic>
+        <p:nvPicPr>
+          <p:cNvPr id="132" name="Google Shape;132;p24"/>
+          <p:cNvPicPr preferRelativeResize="0"/>
+          <p:nvPr/>
+        </p:nvPicPr>
+        <p:blipFill>
+          <a:blip r:embed="rId3">
+            <a:alphaModFix/>
+          </a:blip>
+          <a:stretch>
+            <a:fillRect/>
+          </a:stretch>
+        </p:blipFill>
+        <p:spPr>
+          <a:xfrm>
+            <a:off x="-10" y="4709788"/>
+            <a:ext cx="1290935" cy="423300"/>
+          </a:xfrm>
+          <a:prstGeom prst="rect">
+            <a:avLst/>
+          </a:prstGeom>
+          <a:noFill/>
+          <a:ln>
+            <a:noFill/>
+          </a:ln>
+        </p:spPr>
+      </p:pic>
+      <p:pic>
+        <p:nvPicPr>
+          <p:cNvPr id="133" name="Google Shape;133;p24"/>
+          <p:cNvPicPr preferRelativeResize="0"/>
+          <p:nvPr/>
+        </p:nvPicPr>
+        <p:blipFill>
+          <a:blip r:embed="rId4">
+            <a:alphaModFix/>
+          </a:blip>
+          <a:stretch>
+            <a:fillRect/>
+          </a:stretch>
+        </p:blipFill>
+        <p:spPr>
+          <a:xfrm>
+            <a:off x="8195025" y="4699375"/>
+            <a:ext cx="948975" cy="444125"/>
+          </a:xfrm>
+          <a:prstGeom prst="rect">
+            <a:avLst/>
+          </a:prstGeom>
+          <a:noFill/>
+          <a:ln>
+            <a:noFill/>
+          </a:ln>
+        </p:spPr>
+      </p:pic>
+      <p:sp>
+        <p:nvSpPr>
+          <p:cNvPr id="134" name="Google Shape;134;p24"/>
+          <p:cNvSpPr txBox="1"/>
+          <p:nvPr>
+            <p:ph type="title"/>
+          </p:nvPr>
+        </p:nvSpPr>
+        <p:spPr>
+          <a:xfrm>
+            <a:off x="311700" y="445025"/>
+            <a:ext cx="8520600" cy="572700"/>
+          </a:xfrm>
+          <a:prstGeom prst="rect">
+            <a:avLst/>
+          </a:prstGeom>
+        </p:spPr>
+        <p:txBody>
+          <a:bodyPr anchorCtr="0" anchor="t" bIns="91425" lIns="91425" spcFirstLastPara="1" rIns="91425" wrap="square" tIns="91425">
+            <a:noAutofit/>
+          </a:bodyPr>
+          <a:lstStyle/>
+          <a:p>
+            <a:pPr indent="0" lvl="0" marL="0" rtl="0" algn="ctr">
+              <a:spcBef>
+                <a:spcPts val="0"/>
+              </a:spcBef>
+              <a:spcAft>
+                <a:spcPts val="0"/>
+              </a:spcAft>
+              <a:buNone/>
+            </a:pPr>
+            <a:r>
+              <a:rPr b="1" lang="pt-PT" sz="3200">
+                <a:solidFill>
+                  <a:srgbClr val="0C343D"/>
+                </a:solidFill>
+                <a:latin typeface="Calibri"/>
+                <a:ea typeface="Calibri"/>
+                <a:cs typeface="Calibri"/>
+                <a:sym typeface="Calibri"/>
+              </a:rPr>
+              <a:t>USED SOFTWARE</a:t>
+            </a:r>
+            <a:endParaRPr b="1" sz="3200">
+              <a:solidFill>
+                <a:srgbClr val="0C343D"/>
+              </a:solidFill>
+              <a:latin typeface="Calibri"/>
+              <a:ea typeface="Calibri"/>
+              <a:cs typeface="Calibri"/>
+              <a:sym typeface="Calibri"/>
+            </a:endParaRPr>
+          </a:p>
+        </p:txBody>
+      </p:sp>
+      <p:pic>
+        <p:nvPicPr>
+          <p:cNvPr id="135" name="Google Shape;135;p24"/>
+          <p:cNvPicPr preferRelativeResize="0"/>
+          <p:nvPr/>
+        </p:nvPicPr>
+        <p:blipFill>
+          <a:blip r:embed="rId5">
+            <a:alphaModFix/>
+          </a:blip>
+          <a:stretch>
+            <a:fillRect/>
+          </a:stretch>
+        </p:blipFill>
+        <p:spPr>
+          <a:xfrm>
+            <a:off x="6421525" y="1547156"/>
+            <a:ext cx="2158625" cy="647594"/>
+          </a:xfrm>
+          <a:prstGeom prst="rect">
+            <a:avLst/>
+          </a:prstGeom>
+          <a:noFill/>
+          <a:ln>
+            <a:noFill/>
+          </a:ln>
+        </p:spPr>
+      </p:pic>
+      <p:pic>
+        <p:nvPicPr>
+          <p:cNvPr id="136" name="Google Shape;136;p24"/>
+          <p:cNvPicPr preferRelativeResize="0"/>
+          <p:nvPr/>
+        </p:nvPicPr>
+        <p:blipFill rotWithShape="1">
+          <a:blip r:embed="rId6">
+            <a:alphaModFix/>
+          </a:blip>
+          <a:srcRect b="13885" l="5633" r="0" t="12215"/>
+          <a:stretch/>
+        </p:blipFill>
+        <p:spPr>
+          <a:xfrm>
+            <a:off x="6359600" y="3466875"/>
+            <a:ext cx="2282475" cy="713850"/>
+          </a:xfrm>
+          <a:prstGeom prst="rect">
+            <a:avLst/>
+          </a:prstGeom>
+          <a:noFill/>
+          <a:ln>
+            <a:noFill/>
+          </a:ln>
+        </p:spPr>
+      </p:pic>
+      <p:pic>
+        <p:nvPicPr>
+          <p:cNvPr id="137" name="Google Shape;137;p24"/>
+          <p:cNvPicPr preferRelativeResize="0"/>
+          <p:nvPr/>
+        </p:nvPicPr>
+        <p:blipFill>
+          <a:blip r:embed="rId7">
+            <a:alphaModFix/>
+          </a:blip>
+          <a:stretch>
+            <a:fillRect/>
+          </a:stretch>
+        </p:blipFill>
+        <p:spPr>
+          <a:xfrm>
+            <a:off x="311700" y="3045668"/>
+            <a:ext cx="1919475" cy="990132"/>
+          </a:xfrm>
+          <a:prstGeom prst="rect">
+            <a:avLst/>
+          </a:prstGeom>
+          <a:noFill/>
+          <a:ln>
+            <a:noFill/>
+          </a:ln>
+        </p:spPr>
+      </p:pic>
+      <p:pic>
+        <p:nvPicPr>
+          <p:cNvPr id="138" name="Google Shape;138;p24"/>
+          <p:cNvPicPr preferRelativeResize="0"/>
+          <p:nvPr/>
+        </p:nvPicPr>
+        <p:blipFill rotWithShape="1">
+          <a:blip r:embed="rId8">
+            <a:alphaModFix/>
+          </a:blip>
+          <a:srcRect b="17579" l="8941" r="0" t="14310"/>
+          <a:stretch/>
+        </p:blipFill>
+        <p:spPr>
+          <a:xfrm>
+            <a:off x="311700" y="1469313"/>
+            <a:ext cx="2158625" cy="803250"/>
+          </a:xfrm>
+          <a:prstGeom prst="rect">
+            <a:avLst/>
+          </a:prstGeom>
+          <a:noFill/>
+          <a:ln>
+            <a:noFill/>
+          </a:ln>
+        </p:spPr>
+      </p:pic>
+      <p:pic>
+        <p:nvPicPr>
+          <p:cNvPr id="139" name="Google Shape;139;p24"/>
+          <p:cNvPicPr preferRelativeResize="0"/>
+          <p:nvPr/>
+        </p:nvPicPr>
+        <p:blipFill>
+          <a:blip r:embed="rId9">
+            <a:alphaModFix/>
+          </a:blip>
+          <a:stretch>
+            <a:fillRect/>
+          </a:stretch>
+        </p:blipFill>
+        <p:spPr>
+          <a:xfrm>
+            <a:off x="6174100" y="2572188"/>
+            <a:ext cx="2437084" cy="572700"/>
+          </a:xfrm>
+          <a:prstGeom prst="rect">
+            <a:avLst/>
+          </a:prstGeom>
+          <a:noFill/>
+          <a:ln>
+            <a:noFill/>
+          </a:ln>
+        </p:spPr>
+      </p:pic>
+      <p:pic>
+        <p:nvPicPr>
+          <p:cNvPr id="140" name="Google Shape;140;p24"/>
+          <p:cNvPicPr preferRelativeResize="0"/>
+          <p:nvPr/>
+        </p:nvPicPr>
+        <p:blipFill>
+          <a:blip r:embed="rId10">
+            <a:alphaModFix/>
+          </a:blip>
+          <a:stretch>
+            <a:fillRect/>
+          </a:stretch>
+        </p:blipFill>
+        <p:spPr>
+          <a:xfrm>
+            <a:off x="3790225" y="3045675"/>
+            <a:ext cx="1010337" cy="990125"/>
+          </a:xfrm>
+          <a:prstGeom prst="rect">
+            <a:avLst/>
+          </a:prstGeom>
+          <a:noFill/>
+          <a:ln>
+            <a:noFill/>
+          </a:ln>
+        </p:spPr>
+      </p:pic>
+      <p:pic>
+        <p:nvPicPr>
+          <p:cNvPr id="141" name="Google Shape;141;p24"/>
+          <p:cNvPicPr preferRelativeResize="0"/>
+          <p:nvPr/>
+        </p:nvPicPr>
+        <p:blipFill>
+          <a:blip r:embed="rId11">
+            <a:alphaModFix/>
+          </a:blip>
+          <a:stretch>
+            <a:fillRect/>
+          </a:stretch>
+        </p:blipFill>
+        <p:spPr>
+          <a:xfrm>
+            <a:off x="3251827" y="1375888"/>
+            <a:ext cx="1769665" cy="990125"/>
+          </a:xfrm>
+          <a:prstGeom prst="rect">
+            <a:avLst/>
+          </a:prstGeom>
+          <a:noFill/>
+          <a:ln>
+            <a:noFill/>
+          </a:ln>
+        </p:spPr>
+      </p:pic>
+    </p:spTree>
+  </p:cSld>
+  <p:clrMapOvr>
+    <a:masterClrMapping/>
+  </p:clrMapOvr>
+</p:sld>
+</file>
+
+<file path=ppt/slides/slide13.xml><?xml version="1.0" encoding="utf-8"?>
+<p:sld xmlns:a="http://schemas.openxmlformats.org/drawingml/2006/main" xmlns:r="http://schemas.openxmlformats.org/officeDocument/2006/relationships" xmlns:mc="http://schemas.openxmlformats.org/markup-compatibility/2006" xmlns:mv="urn:schemas-microsoft-com:mac:vml" xmlns:p="http://schemas.openxmlformats.org/presentationml/2006/main" xmlns:c="http://schemas.openxmlformats.org/drawingml/2006/chart" xmlns:dgm="http://schemas.openxmlformats.org/drawingml/2006/diagram" xmlns:o="urn:schemas-microsoft-com:office:office" xmlns:v="urn:schemas-microsoft-com:vml" xmlns:pvml="urn:schemas-microsoft-com:office:powerpoint" xmlns:com="http://schemas.openxmlformats.org/drawingml/2006/compatibility" xmlns:p14="http://schemas.microsoft.com/office/powerpoint/2010/main" xmlns:p15="http://schemas.microsoft.com/office/powerpoint/2012/main">
+  <p:cSld>
+    <p:spTree>
+      <p:nvGrpSpPr>
+        <p:cNvPr id="145" name="Shape 145"/>
+        <p:cNvGrpSpPr/>
+        <p:nvPr/>
+      </p:nvGrpSpPr>
+      <p:grpSpPr>
+        <a:xfrm>
+          <a:off x="0" y="0"/>
+          <a:ext cx="0" cy="0"/>
+          <a:chOff x="0" y="0"/>
+          <a:chExt cx="0" cy="0"/>
+        </a:xfrm>
+      </p:grpSpPr>
+      <p:sp>
+        <p:nvSpPr>
+          <p:cNvPr id="146" name="Google Shape;146;p25"/>
+          <p:cNvSpPr txBox="1"/>
+          <p:nvPr>
+            <p:ph type="title"/>
+          </p:nvPr>
+        </p:nvSpPr>
+        <p:spPr>
+          <a:xfrm>
+            <a:off x="0" y="2436750"/>
+            <a:ext cx="9144000" cy="1641600"/>
+          </a:xfrm>
+          <a:prstGeom prst="rect">
+            <a:avLst/>
+          </a:prstGeom>
+        </p:spPr>
+        <p:txBody>
+          <a:bodyPr anchorCtr="0" anchor="t" bIns="91425" lIns="91425" spcFirstLastPara="1" rIns="91425" wrap="square" tIns="91425">
             <a:noAutofit/>
           </a:bodyPr>
           <a:lstStyle/>
@@ -6877,15 +7555,15 @@
       </p:sp>
       <p:sp>
         <p:nvSpPr>
-          <p:cNvPr id="55" name="Google Shape;55;p13"/>
+          <p:cNvPr id="147" name="Google Shape;147;p25"/>
           <p:cNvSpPr txBox="1"/>
           <p:nvPr>
-            <p:ph idx="1" type="subTitle"/>
+            <p:ph idx="1" type="body"/>
           </p:nvPr>
         </p:nvSpPr>
         <p:spPr>
           <a:xfrm>
-            <a:off x="0" y="2407750"/>
+            <a:off x="0" y="3643000"/>
             <a:ext cx="9144000" cy="701400"/>
           </a:xfrm>
           <a:prstGeom prst="rect">
@@ -6903,7 +7581,7 @@
                 <a:spcPts val="0"/>
               </a:spcBef>
               <a:spcAft>
-                <a:spcPts val="0"/>
+                <a:spcPts val="1600"/>
               </a:spcAft>
               <a:buNone/>
             </a:pPr>
@@ -6933,7 +7611,7 @@
       </p:sp>
       <p:pic>
         <p:nvPicPr>
-          <p:cNvPr id="56" name="Google Shape;56;p13"/>
+          <p:cNvPr id="148" name="Google Shape;148;p25"/>
           <p:cNvPicPr preferRelativeResize="0"/>
           <p:nvPr/>
         </p:nvPicPr>
@@ -6961,7 +7639,7 @@
       </p:pic>
       <p:pic>
         <p:nvPicPr>
-          <p:cNvPr id="57" name="Google Shape;57;p13"/>
+          <p:cNvPr id="149" name="Google Shape;149;p25"/>
           <p:cNvPicPr preferRelativeResize="0"/>
           <p:nvPr/>
         </p:nvPicPr>
@@ -6987,67 +7665,62 @@
           </a:ln>
         </p:spPr>
       </p:pic>
-    </p:spTree>
-  </p:cSld>
-  <p:clrMapOvr>
-    <a:masterClrMapping/>
-  </p:clrMapOvr>
-</p:sld>
-</file>
-
-<file path=ppt/slides/slide10.xml><?xml version="1.0" encoding="utf-8"?>
-<p:sld xmlns:a="http://schemas.openxmlformats.org/drawingml/2006/main" xmlns:r="http://schemas.openxmlformats.org/officeDocument/2006/relationships" xmlns:mc="http://schemas.openxmlformats.org/markup-compatibility/2006" xmlns:mv="urn:schemas-microsoft-com:mac:vml" xmlns:p="http://schemas.openxmlformats.org/presentationml/2006/main" xmlns:c="http://schemas.openxmlformats.org/drawingml/2006/chart" xmlns:dgm="http://schemas.openxmlformats.org/drawingml/2006/diagram" xmlns:o="urn:schemas-microsoft-com:office:office" xmlns:v="urn:schemas-microsoft-com:vml" xmlns:pvml="urn:schemas-microsoft-com:office:powerpoint" xmlns:com="http://schemas.openxmlformats.org/drawingml/2006/compatibility" xmlns:p14="http://schemas.microsoft.com/office/powerpoint/2010/main" xmlns:p15="http://schemas.microsoft.com/office/powerpoint/2012/main">
-  <p:cSld>
-    <p:spTree>
-      <p:nvGrpSpPr>
-        <p:cNvPr id="116" name="Shape 116"/>
-        <p:cNvGrpSpPr/>
-        <p:nvPr/>
-      </p:nvGrpSpPr>
-      <p:grpSpPr>
-        <a:xfrm>
-          <a:off x="0" y="0"/>
-          <a:ext cx="0" cy="0"/>
-          <a:chOff x="0" y="0"/>
-          <a:chExt cx="0" cy="0"/>
-        </a:xfrm>
-      </p:grpSpPr>
-      <p:pic>
-        <p:nvPicPr>
-          <p:cNvPr id="117" name="Google Shape;117;p22"/>
-          <p:cNvPicPr preferRelativeResize="0"/>
+      <p:sp>
+        <p:nvSpPr>
+          <p:cNvPr id="150" name="Google Shape;150;p25"/>
+          <p:cNvSpPr txBox="1"/>
           <p:nvPr/>
-        </p:nvPicPr>
-        <p:blipFill rotWithShape="1">
-          <a:blip r:embed="rId3">
-            <a:alphaModFix/>
-          </a:blip>
-          <a:srcRect b="7841" l="0" r="0" t="21770"/>
-          <a:stretch/>
-        </p:blipFill>
-        <p:spPr>
-          <a:xfrm>
-            <a:off x="700963" y="955200"/>
-            <a:ext cx="7742075" cy="3933050"/>
+        </p:nvSpPr>
+        <p:spPr>
+          <a:xfrm>
+            <a:off x="559050" y="1914025"/>
+            <a:ext cx="8025900" cy="556500"/>
           </a:xfrm>
           <a:prstGeom prst="rect">
             <a:avLst/>
           </a:prstGeom>
           <a:noFill/>
-          <a:ln cap="flat" cmpd="sng" w="28575">
-            <a:solidFill>
-              <a:srgbClr val="000000"/>
-            </a:solidFill>
-            <a:prstDash val="solid"/>
-            <a:round/>
-            <a:headEnd len="sm" w="sm" type="none"/>
-            <a:tailEnd len="sm" w="sm" type="none"/>
+          <a:ln>
+            <a:noFill/>
           </a:ln>
         </p:spPr>
-      </p:pic>
+        <p:txBody>
+          <a:bodyPr anchorCtr="0" anchor="ctr" bIns="91425" lIns="91425" spcFirstLastPara="1" rIns="91425" wrap="square" tIns="91425">
+            <a:noAutofit/>
+          </a:bodyPr>
+          <a:lstStyle/>
+          <a:p>
+            <a:pPr indent="0" lvl="0" marL="0" rtl="0" algn="ctr">
+              <a:lnSpc>
+                <a:spcPct val="115000"/>
+              </a:lnSpc>
+              <a:spcBef>
+                <a:spcPts val="0"/>
+              </a:spcBef>
+              <a:spcAft>
+                <a:spcPts val="0"/>
+              </a:spcAft>
+              <a:buNone/>
+            </a:pPr>
+            <a:r>
+              <a:rPr lang="pt-PT" sz="1800">
+                <a:solidFill>
+                  <a:srgbClr val="148A09"/>
+                </a:solidFill>
+              </a:rPr>
+              <a:t>In health all the details matter, and for us to simplify is to improve.</a:t>
+            </a:r>
+            <a:endParaRPr sz="1800">
+              <a:solidFill>
+                <a:srgbClr val="148A09"/>
+              </a:solidFill>
+            </a:endParaRPr>
+          </a:p>
+        </p:txBody>
+      </p:sp>
       <p:sp>
         <p:nvSpPr>
-          <p:cNvPr id="118" name="Google Shape;118;p22"/>
+          <p:cNvPr id="151" name="Google Shape;151;p25"/>
           <p:cNvSpPr txBox="1"/>
           <p:nvPr>
             <p:ph type="title"/>
@@ -7055,8 +7728,8 @@
         </p:nvSpPr>
         <p:spPr>
           <a:xfrm>
-            <a:off x="0" y="60750"/>
-            <a:ext cx="9144000" cy="695400"/>
+            <a:off x="311700" y="445025"/>
+            <a:ext cx="8520600" cy="572700"/>
           </a:xfrm>
           <a:prstGeom prst="rect">
             <a:avLst/>
@@ -7079,799 +7752,25 @@
             </a:pPr>
             <a:r>
               <a:rPr b="1" lang="pt-PT" sz="3200">
-                <a:latin typeface="Caveat"/>
-                <a:ea typeface="Caveat"/>
-                <a:cs typeface="Caveat"/>
-                <a:sym typeface="Caveat"/>
-              </a:rPr>
-              <a:t>Search Results...</a:t>
-            </a:r>
-            <a:endParaRPr b="1" sz="3200">
-              <a:latin typeface="Caveat"/>
-              <a:ea typeface="Caveat"/>
-              <a:cs typeface="Caveat"/>
-              <a:sym typeface="Caveat"/>
-            </a:endParaRPr>
-          </a:p>
-        </p:txBody>
-      </p:sp>
-    </p:spTree>
-  </p:cSld>
-  <p:clrMapOvr>
-    <a:masterClrMapping/>
-  </p:clrMapOvr>
-</p:sld>
-</file>
-
-<file path=ppt/slides/slide11.xml><?xml version="1.0" encoding="utf-8"?>
-<p:sld xmlns:a="http://schemas.openxmlformats.org/drawingml/2006/main" xmlns:r="http://schemas.openxmlformats.org/officeDocument/2006/relationships" xmlns:mc="http://schemas.openxmlformats.org/markup-compatibility/2006" xmlns:mv="urn:schemas-microsoft-com:mac:vml" xmlns:p="http://schemas.openxmlformats.org/presentationml/2006/main" xmlns:c="http://schemas.openxmlformats.org/drawingml/2006/chart" xmlns:dgm="http://schemas.openxmlformats.org/drawingml/2006/diagram" xmlns:o="urn:schemas-microsoft-com:office:office" xmlns:v="urn:schemas-microsoft-com:vml" xmlns:pvml="urn:schemas-microsoft-com:office:powerpoint" xmlns:com="http://schemas.openxmlformats.org/drawingml/2006/compatibility" xmlns:p14="http://schemas.microsoft.com/office/powerpoint/2010/main" xmlns:p15="http://schemas.microsoft.com/office/powerpoint/2012/main">
-  <p:cSld>
-    <p:spTree>
-      <p:nvGrpSpPr>
-        <p:cNvPr id="122" name="Shape 122"/>
-        <p:cNvGrpSpPr/>
-        <p:nvPr/>
-      </p:nvGrpSpPr>
-      <p:grpSpPr>
-        <a:xfrm>
-          <a:off x="0" y="0"/>
-          <a:ext cx="0" cy="0"/>
-          <a:chOff x="0" y="0"/>
-          <a:chExt cx="0" cy="0"/>
-        </a:xfrm>
-      </p:grpSpPr>
-      <p:sp>
-        <p:nvSpPr>
-          <p:cNvPr id="123" name="Google Shape;123;p23"/>
-          <p:cNvSpPr txBox="1"/>
-          <p:nvPr/>
-        </p:nvSpPr>
-        <p:spPr>
-          <a:xfrm>
-            <a:off x="819600" y="1464750"/>
-            <a:ext cx="7504800" cy="2060400"/>
-          </a:xfrm>
-          <a:prstGeom prst="rect">
-            <a:avLst/>
-          </a:prstGeom>
-          <a:solidFill>
-            <a:srgbClr val="FFF2CC"/>
-          </a:solidFill>
-          <a:ln cap="flat" cmpd="sng" w="76200">
-            <a:solidFill>
-              <a:srgbClr val="179E0B"/>
-            </a:solidFill>
-            <a:prstDash val="solid"/>
-            <a:round/>
-            <a:headEnd len="sm" w="sm" type="none"/>
-            <a:tailEnd len="sm" w="sm" type="none"/>
-          </a:ln>
-        </p:spPr>
-        <p:txBody>
-          <a:bodyPr anchorCtr="0" anchor="ctr" bIns="91425" lIns="91425" spcFirstLastPara="1" rIns="91425" wrap="square" tIns="91425">
-            <a:noAutofit/>
-          </a:bodyPr>
-          <a:lstStyle/>
-          <a:p>
-            <a:pPr indent="0" lvl="0" marL="457200" rtl="0" algn="ctr">
-              <a:lnSpc>
-                <a:spcPct val="115000"/>
-              </a:lnSpc>
-              <a:spcBef>
-                <a:spcPts val="0"/>
-              </a:spcBef>
-              <a:spcAft>
-                <a:spcPts val="0"/>
-              </a:spcAft>
-              <a:buNone/>
-            </a:pPr>
-            <a:r>
-              <a:rPr b="1" lang="pt-PT" sz="2100">
                 <a:solidFill>
-                  <a:srgbClr val="434343"/>
+                  <a:srgbClr val="000000"/>
                 </a:solidFill>
                 <a:latin typeface="Calibri"/>
                 <a:ea typeface="Calibri"/>
                 <a:cs typeface="Calibri"/>
                 <a:sym typeface="Calibri"/>
               </a:rPr>
-              <a:t>User-friendly interface</a:t>
+              <a:t>OUR VISION</a:t>
             </a:r>
-            <a:endParaRPr b="1" sz="2100">
+            <a:endParaRPr b="1" sz="3200">
               <a:solidFill>
-                <a:srgbClr val="434343"/>
+                <a:srgbClr val="000000"/>
               </a:solidFill>
               <a:latin typeface="Calibri"/>
               <a:ea typeface="Calibri"/>
               <a:cs typeface="Calibri"/>
               <a:sym typeface="Calibri"/>
             </a:endParaRPr>
-          </a:p>
-          <a:p>
-            <a:pPr indent="0" lvl="0" marL="457200" rtl="0" algn="ctr">
-              <a:lnSpc>
-                <a:spcPct val="115000"/>
-              </a:lnSpc>
-              <a:spcBef>
-                <a:spcPts val="0"/>
-              </a:spcBef>
-              <a:spcAft>
-                <a:spcPts val="0"/>
-              </a:spcAft>
-              <a:buNone/>
-            </a:pPr>
-            <a:r>
-              <a:rPr b="1" lang="pt-PT" sz="2100">
-                <a:solidFill>
-                  <a:srgbClr val="434343"/>
-                </a:solidFill>
-                <a:latin typeface="Calibri"/>
-                <a:ea typeface="Calibri"/>
-                <a:cs typeface="Calibri"/>
-                <a:sym typeface="Calibri"/>
-              </a:rPr>
-              <a:t>Login interface</a:t>
-            </a:r>
-            <a:endParaRPr b="1" sz="2100">
-              <a:solidFill>
-                <a:srgbClr val="434343"/>
-              </a:solidFill>
-              <a:latin typeface="Calibri"/>
-              <a:ea typeface="Calibri"/>
-              <a:cs typeface="Calibri"/>
-              <a:sym typeface="Calibri"/>
-            </a:endParaRPr>
-          </a:p>
-          <a:p>
-            <a:pPr indent="0" lvl="0" marL="457200" rtl="0" algn="ctr">
-              <a:lnSpc>
-                <a:spcPct val="115000"/>
-              </a:lnSpc>
-              <a:spcBef>
-                <a:spcPts val="0"/>
-              </a:spcBef>
-              <a:spcAft>
-                <a:spcPts val="0"/>
-              </a:spcAft>
-              <a:buNone/>
-            </a:pPr>
-            <a:r>
-              <a:rPr b="1" lang="pt-PT" sz="2100">
-                <a:solidFill>
-                  <a:srgbClr val="434343"/>
-                </a:solidFill>
-                <a:latin typeface="Calibri"/>
-                <a:ea typeface="Calibri"/>
-                <a:cs typeface="Calibri"/>
-                <a:sym typeface="Calibri"/>
-              </a:rPr>
-              <a:t>Highly precise geolocalization (API: OpenStreetMap)</a:t>
-            </a:r>
-            <a:endParaRPr b="1" sz="2100">
-              <a:solidFill>
-                <a:srgbClr val="434343"/>
-              </a:solidFill>
-              <a:latin typeface="Calibri"/>
-              <a:ea typeface="Calibri"/>
-              <a:cs typeface="Calibri"/>
-              <a:sym typeface="Calibri"/>
-            </a:endParaRPr>
-          </a:p>
-          <a:p>
-            <a:pPr indent="0" lvl="0" marL="457200" rtl="0" algn="ctr">
-              <a:lnSpc>
-                <a:spcPct val="115000"/>
-              </a:lnSpc>
-              <a:spcBef>
-                <a:spcPts val="0"/>
-              </a:spcBef>
-              <a:spcAft>
-                <a:spcPts val="0"/>
-              </a:spcAft>
-              <a:buNone/>
-            </a:pPr>
-            <a:r>
-              <a:rPr b="1" lang="pt-PT" sz="2100">
-                <a:solidFill>
-                  <a:srgbClr val="434343"/>
-                </a:solidFill>
-                <a:latin typeface="Calibri"/>
-                <a:ea typeface="Calibri"/>
-                <a:cs typeface="Calibri"/>
-                <a:sym typeface="Calibri"/>
-              </a:rPr>
-              <a:t>Huge database of pharmacies and medicines (&gt;5000)</a:t>
-            </a:r>
-            <a:endParaRPr b="1" sz="2100">
-              <a:solidFill>
-                <a:srgbClr val="434343"/>
-              </a:solidFill>
-              <a:latin typeface="Calibri"/>
-              <a:ea typeface="Calibri"/>
-              <a:cs typeface="Calibri"/>
-              <a:sym typeface="Calibri"/>
-            </a:endParaRPr>
-          </a:p>
-          <a:p>
-            <a:pPr indent="0" lvl="0" marL="457200" rtl="0" algn="ctr">
-              <a:lnSpc>
-                <a:spcPct val="115000"/>
-              </a:lnSpc>
-              <a:spcBef>
-                <a:spcPts val="0"/>
-              </a:spcBef>
-              <a:spcAft>
-                <a:spcPts val="0"/>
-              </a:spcAft>
-              <a:buNone/>
-            </a:pPr>
-            <a:r>
-              <a:rPr b="1" lang="pt-PT" sz="2100">
-                <a:solidFill>
-                  <a:srgbClr val="434343"/>
-                </a:solidFill>
-                <a:latin typeface="Calibri"/>
-                <a:ea typeface="Calibri"/>
-                <a:cs typeface="Calibri"/>
-                <a:sym typeface="Calibri"/>
-              </a:rPr>
-              <a:t>Stock precision (&gt;99%)</a:t>
-            </a:r>
-            <a:endParaRPr b="1" sz="2100">
-              <a:solidFill>
-                <a:srgbClr val="434343"/>
-              </a:solidFill>
-              <a:latin typeface="Calibri"/>
-              <a:ea typeface="Calibri"/>
-              <a:cs typeface="Calibri"/>
-              <a:sym typeface="Calibri"/>
-            </a:endParaRPr>
-          </a:p>
-        </p:txBody>
-      </p:sp>
-      <p:pic>
-        <p:nvPicPr>
-          <p:cNvPr id="124" name="Google Shape;124;p23"/>
-          <p:cNvPicPr preferRelativeResize="0"/>
-          <p:nvPr/>
-        </p:nvPicPr>
-        <p:blipFill>
-          <a:blip r:embed="rId3">
-            <a:alphaModFix/>
-          </a:blip>
-          <a:stretch>
-            <a:fillRect/>
-          </a:stretch>
-        </p:blipFill>
-        <p:spPr>
-          <a:xfrm>
-            <a:off x="-10" y="4709788"/>
-            <a:ext cx="1290935" cy="423300"/>
-          </a:xfrm>
-          <a:prstGeom prst="rect">
-            <a:avLst/>
-          </a:prstGeom>
-          <a:noFill/>
-          <a:ln>
-            <a:noFill/>
-          </a:ln>
-        </p:spPr>
-      </p:pic>
-      <p:pic>
-        <p:nvPicPr>
-          <p:cNvPr id="125" name="Google Shape;125;p23"/>
-          <p:cNvPicPr preferRelativeResize="0"/>
-          <p:nvPr/>
-        </p:nvPicPr>
-        <p:blipFill>
-          <a:blip r:embed="rId4">
-            <a:alphaModFix/>
-          </a:blip>
-          <a:stretch>
-            <a:fillRect/>
-          </a:stretch>
-        </p:blipFill>
-        <p:spPr>
-          <a:xfrm>
-            <a:off x="8195025" y="4699375"/>
-            <a:ext cx="948975" cy="444125"/>
-          </a:xfrm>
-          <a:prstGeom prst="rect">
-            <a:avLst/>
-          </a:prstGeom>
-          <a:noFill/>
-          <a:ln>
-            <a:noFill/>
-          </a:ln>
-        </p:spPr>
-      </p:pic>
-      <p:sp>
-        <p:nvSpPr>
-          <p:cNvPr id="126" name="Google Shape;126;p23"/>
-          <p:cNvSpPr txBox="1"/>
-          <p:nvPr>
-            <p:ph type="title"/>
-          </p:nvPr>
-        </p:nvSpPr>
-        <p:spPr>
-          <a:xfrm>
-            <a:off x="311700" y="445025"/>
-            <a:ext cx="8520600" cy="572700"/>
-          </a:xfrm>
-          <a:prstGeom prst="rect">
-            <a:avLst/>
-          </a:prstGeom>
-        </p:spPr>
-        <p:txBody>
-          <a:bodyPr anchorCtr="0" anchor="t" bIns="91425" lIns="91425" spcFirstLastPara="1" rIns="91425" wrap="square" tIns="91425">
-            <a:noAutofit/>
-          </a:bodyPr>
-          <a:lstStyle/>
-          <a:p>
-            <a:pPr indent="0" lvl="0" marL="0" rtl="0" algn="ctr">
-              <a:spcBef>
-                <a:spcPts val="0"/>
-              </a:spcBef>
-              <a:spcAft>
-                <a:spcPts val="0"/>
-              </a:spcAft>
-              <a:buNone/>
-            </a:pPr>
-            <a:r>
-              <a:rPr b="1" lang="pt-PT" sz="3200">
-                <a:solidFill>
-                  <a:srgbClr val="0C343D"/>
-                </a:solidFill>
-                <a:latin typeface="Caveat"/>
-                <a:ea typeface="Caveat"/>
-                <a:cs typeface="Caveat"/>
-                <a:sym typeface="Caveat"/>
-              </a:rPr>
-              <a:t>SPECIFICATIONS</a:t>
-            </a:r>
-            <a:endParaRPr b="1" sz="3200">
-              <a:solidFill>
-                <a:srgbClr val="0C343D"/>
-              </a:solidFill>
-              <a:latin typeface="Caveat"/>
-              <a:ea typeface="Caveat"/>
-              <a:cs typeface="Caveat"/>
-              <a:sym typeface="Caveat"/>
-            </a:endParaRPr>
-          </a:p>
-        </p:txBody>
-      </p:sp>
-    </p:spTree>
-  </p:cSld>
-  <p:clrMapOvr>
-    <a:masterClrMapping/>
-  </p:clrMapOvr>
-</p:sld>
-</file>
-
-<file path=ppt/slides/slide12.xml><?xml version="1.0" encoding="utf-8"?>
-<p:sld xmlns:a="http://schemas.openxmlformats.org/drawingml/2006/main" xmlns:r="http://schemas.openxmlformats.org/officeDocument/2006/relationships" xmlns:mc="http://schemas.openxmlformats.org/markup-compatibility/2006" xmlns:mv="urn:schemas-microsoft-com:mac:vml" xmlns:p="http://schemas.openxmlformats.org/presentationml/2006/main" xmlns:c="http://schemas.openxmlformats.org/drawingml/2006/chart" xmlns:dgm="http://schemas.openxmlformats.org/drawingml/2006/diagram" xmlns:o="urn:schemas-microsoft-com:office:office" xmlns:v="urn:schemas-microsoft-com:vml" xmlns:pvml="urn:schemas-microsoft-com:office:powerpoint" xmlns:com="http://schemas.openxmlformats.org/drawingml/2006/compatibility" xmlns:p14="http://schemas.microsoft.com/office/powerpoint/2010/main" xmlns:p15="http://schemas.microsoft.com/office/powerpoint/2012/main">
-  <p:cSld>
-    <p:spTree>
-      <p:nvGrpSpPr>
-        <p:cNvPr id="130" name="Shape 130"/>
-        <p:cNvGrpSpPr/>
-        <p:nvPr/>
-      </p:nvGrpSpPr>
-      <p:grpSpPr>
-        <a:xfrm>
-          <a:off x="0" y="0"/>
-          <a:ext cx="0" cy="0"/>
-          <a:chOff x="0" y="0"/>
-          <a:chExt cx="0" cy="0"/>
-        </a:xfrm>
-      </p:grpSpPr>
-      <p:pic>
-        <p:nvPicPr>
-          <p:cNvPr id="131" name="Google Shape;131;p24"/>
-          <p:cNvPicPr preferRelativeResize="0"/>
-          <p:nvPr/>
-        </p:nvPicPr>
-        <p:blipFill>
-          <a:blip r:embed="rId3">
-            <a:alphaModFix/>
-          </a:blip>
-          <a:stretch>
-            <a:fillRect/>
-          </a:stretch>
-        </p:blipFill>
-        <p:spPr>
-          <a:xfrm>
-            <a:off x="-10" y="4709788"/>
-            <a:ext cx="1290935" cy="423300"/>
-          </a:xfrm>
-          <a:prstGeom prst="rect">
-            <a:avLst/>
-          </a:prstGeom>
-          <a:noFill/>
-          <a:ln>
-            <a:noFill/>
-          </a:ln>
-        </p:spPr>
-      </p:pic>
-      <p:pic>
-        <p:nvPicPr>
-          <p:cNvPr id="132" name="Google Shape;132;p24"/>
-          <p:cNvPicPr preferRelativeResize="0"/>
-          <p:nvPr/>
-        </p:nvPicPr>
-        <p:blipFill>
-          <a:blip r:embed="rId4">
-            <a:alphaModFix/>
-          </a:blip>
-          <a:stretch>
-            <a:fillRect/>
-          </a:stretch>
-        </p:blipFill>
-        <p:spPr>
-          <a:xfrm>
-            <a:off x="8195025" y="4699375"/>
-            <a:ext cx="948975" cy="444125"/>
-          </a:xfrm>
-          <a:prstGeom prst="rect">
-            <a:avLst/>
-          </a:prstGeom>
-          <a:noFill/>
-          <a:ln>
-            <a:noFill/>
-          </a:ln>
-        </p:spPr>
-      </p:pic>
-      <p:sp>
-        <p:nvSpPr>
-          <p:cNvPr id="133" name="Google Shape;133;p24"/>
-          <p:cNvSpPr txBox="1"/>
-          <p:nvPr>
-            <p:ph type="title"/>
-          </p:nvPr>
-        </p:nvSpPr>
-        <p:spPr>
-          <a:xfrm>
-            <a:off x="311700" y="445025"/>
-            <a:ext cx="8520600" cy="572700"/>
-          </a:xfrm>
-          <a:prstGeom prst="rect">
-            <a:avLst/>
-          </a:prstGeom>
-        </p:spPr>
-        <p:txBody>
-          <a:bodyPr anchorCtr="0" anchor="t" bIns="91425" lIns="91425" spcFirstLastPara="1" rIns="91425" wrap="square" tIns="91425">
-            <a:noAutofit/>
-          </a:bodyPr>
-          <a:lstStyle/>
-          <a:p>
-            <a:pPr indent="0" lvl="0" marL="0" rtl="0" algn="ctr">
-              <a:spcBef>
-                <a:spcPts val="0"/>
-              </a:spcBef>
-              <a:spcAft>
-                <a:spcPts val="0"/>
-              </a:spcAft>
-              <a:buNone/>
-            </a:pPr>
-            <a:r>
-              <a:rPr b="1" lang="pt-PT" sz="3200">
-                <a:solidFill>
-                  <a:srgbClr val="0C343D"/>
-                </a:solidFill>
-                <a:latin typeface="Caveat"/>
-                <a:ea typeface="Caveat"/>
-                <a:cs typeface="Caveat"/>
-                <a:sym typeface="Caveat"/>
-              </a:rPr>
-              <a:t>USED SOFTWARE</a:t>
-            </a:r>
-            <a:endParaRPr b="1" sz="3200">
-              <a:solidFill>
-                <a:srgbClr val="0C343D"/>
-              </a:solidFill>
-              <a:latin typeface="Caveat"/>
-              <a:ea typeface="Caveat"/>
-              <a:cs typeface="Caveat"/>
-              <a:sym typeface="Caveat"/>
-            </a:endParaRPr>
-          </a:p>
-        </p:txBody>
-      </p:sp>
-      <p:pic>
-        <p:nvPicPr>
-          <p:cNvPr id="134" name="Google Shape;134;p24"/>
-          <p:cNvPicPr preferRelativeResize="0"/>
-          <p:nvPr/>
-        </p:nvPicPr>
-        <p:blipFill>
-          <a:blip r:embed="rId5">
-            <a:alphaModFix/>
-          </a:blip>
-          <a:stretch>
-            <a:fillRect/>
-          </a:stretch>
-        </p:blipFill>
-        <p:spPr>
-          <a:xfrm>
-            <a:off x="6350450" y="1793949"/>
-            <a:ext cx="2218226" cy="665463"/>
-          </a:xfrm>
-          <a:prstGeom prst="rect">
-            <a:avLst/>
-          </a:prstGeom>
-          <a:noFill/>
-          <a:ln>
-            <a:noFill/>
-          </a:ln>
-        </p:spPr>
-      </p:pic>
-      <p:pic>
-        <p:nvPicPr>
-          <p:cNvPr id="135" name="Google Shape;135;p24"/>
-          <p:cNvPicPr preferRelativeResize="0"/>
-          <p:nvPr/>
-        </p:nvPicPr>
-        <p:blipFill rotWithShape="1">
-          <a:blip r:embed="rId6">
-            <a:alphaModFix/>
-          </a:blip>
-          <a:srcRect b="13885" l="5633" r="0" t="12215"/>
-          <a:stretch/>
-        </p:blipFill>
-        <p:spPr>
-          <a:xfrm>
-            <a:off x="6359600" y="3457550"/>
-            <a:ext cx="2282475" cy="713850"/>
-          </a:xfrm>
-          <a:prstGeom prst="rect">
-            <a:avLst/>
-          </a:prstGeom>
-          <a:noFill/>
-          <a:ln>
-            <a:noFill/>
-          </a:ln>
-        </p:spPr>
-      </p:pic>
-      <p:pic>
-        <p:nvPicPr>
-          <p:cNvPr id="136" name="Google Shape;136;p24"/>
-          <p:cNvPicPr preferRelativeResize="0"/>
-          <p:nvPr/>
-        </p:nvPicPr>
-        <p:blipFill>
-          <a:blip r:embed="rId7">
-            <a:alphaModFix/>
-          </a:blip>
-          <a:stretch>
-            <a:fillRect/>
-          </a:stretch>
-        </p:blipFill>
-        <p:spPr>
-          <a:xfrm>
-            <a:off x="311700" y="2901393"/>
-            <a:ext cx="1919475" cy="990132"/>
-          </a:xfrm>
-          <a:prstGeom prst="rect">
-            <a:avLst/>
-          </a:prstGeom>
-          <a:noFill/>
-          <a:ln>
-            <a:noFill/>
-          </a:ln>
-        </p:spPr>
-      </p:pic>
-      <p:pic>
-        <p:nvPicPr>
-          <p:cNvPr id="137" name="Google Shape;137;p24"/>
-          <p:cNvPicPr preferRelativeResize="0"/>
-          <p:nvPr/>
-        </p:nvPicPr>
-        <p:blipFill rotWithShape="1">
-          <a:blip r:embed="rId8">
-            <a:alphaModFix/>
-          </a:blip>
-          <a:srcRect b="17579" l="8941" r="0" t="14310"/>
-          <a:stretch/>
-        </p:blipFill>
-        <p:spPr>
-          <a:xfrm>
-            <a:off x="311700" y="1887363"/>
-            <a:ext cx="2158625" cy="803250"/>
-          </a:xfrm>
-          <a:prstGeom prst="rect">
-            <a:avLst/>
-          </a:prstGeom>
-          <a:noFill/>
-          <a:ln>
-            <a:noFill/>
-          </a:ln>
-        </p:spPr>
-      </p:pic>
-      <p:pic>
-        <p:nvPicPr>
-          <p:cNvPr id="138" name="Google Shape;138;p24"/>
-          <p:cNvPicPr preferRelativeResize="0"/>
-          <p:nvPr/>
-        </p:nvPicPr>
-        <p:blipFill>
-          <a:blip r:embed="rId9">
-            <a:alphaModFix/>
-          </a:blip>
-          <a:stretch>
-            <a:fillRect/>
-          </a:stretch>
-        </p:blipFill>
-        <p:spPr>
-          <a:xfrm>
-            <a:off x="6350450" y="2572200"/>
-            <a:ext cx="2437084" cy="572700"/>
-          </a:xfrm>
-          <a:prstGeom prst="rect">
-            <a:avLst/>
-          </a:prstGeom>
-          <a:noFill/>
-          <a:ln>
-            <a:noFill/>
-          </a:ln>
-        </p:spPr>
-      </p:pic>
-      <p:pic>
-        <p:nvPicPr>
-          <p:cNvPr id="139" name="Google Shape;139;p24"/>
-          <p:cNvPicPr preferRelativeResize="0"/>
-          <p:nvPr/>
-        </p:nvPicPr>
-        <p:blipFill>
-          <a:blip r:embed="rId10">
-            <a:alphaModFix/>
-          </a:blip>
-          <a:stretch>
-            <a:fillRect/>
-          </a:stretch>
-        </p:blipFill>
-        <p:spPr>
-          <a:xfrm>
-            <a:off x="3790225" y="3181275"/>
-            <a:ext cx="1010337" cy="990125"/>
-          </a:xfrm>
-          <a:prstGeom prst="rect">
-            <a:avLst/>
-          </a:prstGeom>
-          <a:noFill/>
-          <a:ln>
-            <a:noFill/>
-          </a:ln>
-        </p:spPr>
-      </p:pic>
-      <p:pic>
-        <p:nvPicPr>
-          <p:cNvPr id="140" name="Google Shape;140;p24"/>
-          <p:cNvPicPr preferRelativeResize="0"/>
-          <p:nvPr/>
-        </p:nvPicPr>
-        <p:blipFill>
-          <a:blip r:embed="rId11">
-            <a:alphaModFix/>
-          </a:blip>
-          <a:stretch>
-            <a:fillRect/>
-          </a:stretch>
-        </p:blipFill>
-        <p:spPr>
-          <a:xfrm>
-            <a:off x="3410552" y="1793938"/>
-            <a:ext cx="1769665" cy="990125"/>
-          </a:xfrm>
-          <a:prstGeom prst="rect">
-            <a:avLst/>
-          </a:prstGeom>
-          <a:noFill/>
-          <a:ln>
-            <a:noFill/>
-          </a:ln>
-        </p:spPr>
-      </p:pic>
-    </p:spTree>
-  </p:cSld>
-  <p:clrMapOvr>
-    <a:masterClrMapping/>
-  </p:clrMapOvr>
-</p:sld>
-</file>
-
-<file path=ppt/slides/slide13.xml><?xml version="1.0" encoding="utf-8"?>
-<p:sld xmlns:a="http://schemas.openxmlformats.org/drawingml/2006/main" xmlns:r="http://schemas.openxmlformats.org/officeDocument/2006/relationships" xmlns:mc="http://schemas.openxmlformats.org/markup-compatibility/2006" xmlns:mv="urn:schemas-microsoft-com:mac:vml" xmlns:p="http://schemas.openxmlformats.org/presentationml/2006/main" xmlns:c="http://schemas.openxmlformats.org/drawingml/2006/chart" xmlns:dgm="http://schemas.openxmlformats.org/drawingml/2006/diagram" xmlns:o="urn:schemas-microsoft-com:office:office" xmlns:v="urn:schemas-microsoft-com:vml" xmlns:pvml="urn:schemas-microsoft-com:office:powerpoint" xmlns:com="http://schemas.openxmlformats.org/drawingml/2006/compatibility" xmlns:p14="http://schemas.microsoft.com/office/powerpoint/2010/main" xmlns:p15="http://schemas.microsoft.com/office/powerpoint/2012/main">
-  <p:cSld>
-    <p:spTree>
-      <p:nvGrpSpPr>
-        <p:cNvPr id="144" name="Shape 144"/>
-        <p:cNvGrpSpPr/>
-        <p:nvPr/>
-      </p:nvGrpSpPr>
-      <p:grpSpPr>
-        <a:xfrm>
-          <a:off x="0" y="0"/>
-          <a:ext cx="0" cy="0"/>
-          <a:chOff x="0" y="0"/>
-          <a:chExt cx="0" cy="0"/>
-        </a:xfrm>
-      </p:grpSpPr>
-      <p:sp>
-        <p:nvSpPr>
-          <p:cNvPr id="145" name="Google Shape;145;p25"/>
-          <p:cNvSpPr txBox="1"/>
-          <p:nvPr>
-            <p:ph type="title"/>
-          </p:nvPr>
-        </p:nvSpPr>
-        <p:spPr>
-          <a:xfrm>
-            <a:off x="311700" y="445025"/>
-            <a:ext cx="8520600" cy="572700"/>
-          </a:xfrm>
-          <a:prstGeom prst="rect">
-            <a:avLst/>
-          </a:prstGeom>
-        </p:spPr>
-        <p:txBody>
-          <a:bodyPr anchorCtr="0" anchor="t" bIns="91425" lIns="91425" spcFirstLastPara="1" rIns="91425" wrap="square" tIns="91425">
-            <a:noAutofit/>
-          </a:bodyPr>
-          <a:lstStyle/>
-          <a:p>
-            <a:pPr indent="0" lvl="0" marL="0" rtl="0" algn="l">
-              <a:spcBef>
-                <a:spcPts val="0"/>
-              </a:spcBef>
-              <a:spcAft>
-                <a:spcPts val="0"/>
-              </a:spcAft>
-              <a:buNone/>
-            </a:pPr>
-            <a:r>
-              <a:t/>
-            </a:r>
-            <a:endParaRPr/>
-          </a:p>
-        </p:txBody>
-      </p:sp>
-      <p:sp>
-        <p:nvSpPr>
-          <p:cNvPr id="146" name="Google Shape;146;p25"/>
-          <p:cNvSpPr txBox="1"/>
-          <p:nvPr>
-            <p:ph idx="1" type="body"/>
-          </p:nvPr>
-        </p:nvSpPr>
-        <p:spPr>
-          <a:xfrm>
-            <a:off x="311700" y="1152475"/>
-            <a:ext cx="8520600" cy="3416400"/>
-          </a:xfrm>
-          <a:prstGeom prst="rect">
-            <a:avLst/>
-          </a:prstGeom>
-        </p:spPr>
-        <p:txBody>
-          <a:bodyPr anchorCtr="0" anchor="t" bIns="91425" lIns="91425" spcFirstLastPara="1" rIns="91425" wrap="square" tIns="91425">
-            <a:noAutofit/>
-          </a:bodyPr>
-          <a:lstStyle/>
-          <a:p>
-            <a:pPr indent="0" lvl="0" marL="0" rtl="0" algn="l">
-              <a:spcBef>
-                <a:spcPts val="0"/>
-              </a:spcBef>
-              <a:spcAft>
-                <a:spcPts val="1600"/>
-              </a:spcAft>
-              <a:buNone/>
-            </a:pPr>
-            <a:r>
-              <a:t/>
-            </a:r>
-            <a:endParaRPr/>
           </a:p>
         </p:txBody>
       </p:sp>
@@ -7888,7 +7787,7 @@
   <p:cSld>
     <p:spTree>
       <p:nvGrpSpPr>
-        <p:cNvPr id="150" name="Shape 150"/>
+        <p:cNvPr id="155" name="Shape 155"/>
         <p:cNvGrpSpPr/>
         <p:nvPr/>
       </p:nvGrpSpPr>
@@ -7902,23 +7801,24 @@
       </p:grpSpPr>
       <p:sp>
         <p:nvSpPr>
-          <p:cNvPr id="151" name="Google Shape;151;p26"/>
+          <p:cNvPr id="156" name="Google Shape;156;p26"/>
           <p:cNvSpPr txBox="1"/>
           <p:nvPr>
-            <p:ph type="title"/>
+            <p:ph type="ctrTitle"/>
           </p:nvPr>
         </p:nvSpPr>
         <p:spPr>
           <a:xfrm>
-            <a:off x="0" y="2436750"/>
-            <a:ext cx="9144000" cy="1641600"/>
+            <a:off x="0" y="0"/>
+            <a:ext cx="9144000" cy="5143500"/>
           </a:xfrm>
           <a:prstGeom prst="rect">
             <a:avLst/>
           </a:prstGeom>
+          <a:noFill/>
         </p:spPr>
         <p:txBody>
-          <a:bodyPr anchorCtr="0" anchor="t" bIns="91425" lIns="91425" spcFirstLastPara="1" rIns="91425" wrap="square" tIns="91425">
+          <a:bodyPr anchorCtr="0" anchor="ctr" bIns="91425" lIns="91425" spcFirstLastPara="1" rIns="91425" wrap="square" tIns="91425">
             <a:noAutofit/>
           </a:bodyPr>
           <a:lstStyle/>
@@ -7933,75 +7833,7 @@
               <a:buNone/>
             </a:pPr>
             <a:r>
-              <a:rPr lang="pt-PT" sz="9600">
-                <a:solidFill>
-                  <a:srgbClr val="6AA84F"/>
-                </a:solidFill>
-                <a:latin typeface="Calibri"/>
-                <a:ea typeface="Calibri"/>
-                <a:cs typeface="Calibri"/>
-                <a:sym typeface="Calibri"/>
-              </a:rPr>
-              <a:t>Pharma</a:t>
-            </a:r>
-            <a:r>
-              <a:rPr lang="pt-PT" sz="9600">
-                <a:solidFill>
-                  <a:srgbClr val="179E0B"/>
-                </a:solidFill>
-                <a:latin typeface="Calibri"/>
-                <a:ea typeface="Calibri"/>
-                <a:cs typeface="Calibri"/>
-                <a:sym typeface="Calibri"/>
-              </a:rPr>
-              <a:t>Friend</a:t>
-            </a:r>
-            <a:endParaRPr sz="9600">
-              <a:solidFill>
-                <a:srgbClr val="179E0B"/>
-              </a:solidFill>
-              <a:latin typeface="Calibri"/>
-              <a:ea typeface="Calibri"/>
-              <a:cs typeface="Calibri"/>
-              <a:sym typeface="Calibri"/>
-            </a:endParaRPr>
-          </a:p>
-        </p:txBody>
-      </p:sp>
-      <p:sp>
-        <p:nvSpPr>
-          <p:cNvPr id="152" name="Google Shape;152;p26"/>
-          <p:cNvSpPr txBox="1"/>
-          <p:nvPr>
-            <p:ph idx="1" type="body"/>
-          </p:nvPr>
-        </p:nvSpPr>
-        <p:spPr>
-          <a:xfrm>
-            <a:off x="0" y="3643000"/>
-            <a:ext cx="9144000" cy="701400"/>
-          </a:xfrm>
-          <a:prstGeom prst="rect">
-            <a:avLst/>
-          </a:prstGeom>
-        </p:spPr>
-        <p:txBody>
-          <a:bodyPr anchorCtr="0" anchor="t" bIns="91425" lIns="91425" spcFirstLastPara="1" rIns="91425" wrap="square" tIns="91425">
-            <a:noAutofit/>
-          </a:bodyPr>
-          <a:lstStyle/>
-          <a:p>
-            <a:pPr indent="0" lvl="0" marL="0" rtl="0" algn="ctr">
-              <a:spcBef>
-                <a:spcPts val="0"/>
-              </a:spcBef>
-              <a:spcAft>
-                <a:spcPts val="1600"/>
-              </a:spcAft>
-              <a:buNone/>
-            </a:pPr>
-            <a:r>
-              <a:rPr b="0" lang="pt-PT" sz="2400">
+              <a:rPr b="1" lang="pt-PT" sz="9600">
                 <a:solidFill>
                   <a:srgbClr val="000000"/>
                 </a:solidFill>
@@ -8010,9 +7842,9 @@
                 <a:cs typeface="Calibri"/>
                 <a:sym typeface="Calibri"/>
               </a:rPr>
-              <a:t>Simplify your search.</a:t>
+              <a:t>THANK YOU!</a:t>
             </a:r>
-            <a:endParaRPr b="0" sz="2400">
+            <a:endParaRPr b="1" sz="9600">
               <a:solidFill>
                 <a:srgbClr val="000000"/>
               </a:solidFill>
@@ -8020,263 +7852,6 @@
               <a:ea typeface="Calibri"/>
               <a:cs typeface="Calibri"/>
               <a:sym typeface="Calibri"/>
-            </a:endParaRPr>
-          </a:p>
-        </p:txBody>
-      </p:sp>
-      <p:pic>
-        <p:nvPicPr>
-          <p:cNvPr id="153" name="Google Shape;153;p26"/>
-          <p:cNvPicPr preferRelativeResize="0"/>
-          <p:nvPr/>
-        </p:nvPicPr>
-        <p:blipFill>
-          <a:blip r:embed="rId3">
-            <a:alphaModFix/>
-          </a:blip>
-          <a:stretch>
-            <a:fillRect/>
-          </a:stretch>
-        </p:blipFill>
-        <p:spPr>
-          <a:xfrm>
-            <a:off x="-10" y="4709788"/>
-            <a:ext cx="1290935" cy="423300"/>
-          </a:xfrm>
-          <a:prstGeom prst="rect">
-            <a:avLst/>
-          </a:prstGeom>
-          <a:noFill/>
-          <a:ln>
-            <a:noFill/>
-          </a:ln>
-        </p:spPr>
-      </p:pic>
-      <p:pic>
-        <p:nvPicPr>
-          <p:cNvPr id="154" name="Google Shape;154;p26"/>
-          <p:cNvPicPr preferRelativeResize="0"/>
-          <p:nvPr/>
-        </p:nvPicPr>
-        <p:blipFill>
-          <a:blip r:embed="rId4">
-            <a:alphaModFix/>
-          </a:blip>
-          <a:stretch>
-            <a:fillRect/>
-          </a:stretch>
-        </p:blipFill>
-        <p:spPr>
-          <a:xfrm>
-            <a:off x="8195025" y="4699375"/>
-            <a:ext cx="948975" cy="444125"/>
-          </a:xfrm>
-          <a:prstGeom prst="rect">
-            <a:avLst/>
-          </a:prstGeom>
-          <a:noFill/>
-          <a:ln>
-            <a:noFill/>
-          </a:ln>
-        </p:spPr>
-      </p:pic>
-      <p:sp>
-        <p:nvSpPr>
-          <p:cNvPr id="155" name="Google Shape;155;p26"/>
-          <p:cNvSpPr txBox="1"/>
-          <p:nvPr/>
-        </p:nvSpPr>
-        <p:spPr>
-          <a:xfrm>
-            <a:off x="559050" y="1719250"/>
-            <a:ext cx="8025900" cy="556500"/>
-          </a:xfrm>
-          <a:prstGeom prst="rect">
-            <a:avLst/>
-          </a:prstGeom>
-          <a:solidFill>
-            <a:srgbClr val="D9EAD3"/>
-          </a:solidFill>
-          <a:ln cap="flat" cmpd="sng" w="38100">
-            <a:solidFill>
-              <a:srgbClr val="000000"/>
-            </a:solidFill>
-            <a:prstDash val="solid"/>
-            <a:round/>
-            <a:headEnd len="sm" w="sm" type="none"/>
-            <a:tailEnd len="sm" w="sm" type="none"/>
-          </a:ln>
-        </p:spPr>
-        <p:txBody>
-          <a:bodyPr anchorCtr="0" anchor="ctr" bIns="91425" lIns="91425" spcFirstLastPara="1" rIns="91425" wrap="square" tIns="91425">
-            <a:noAutofit/>
-          </a:bodyPr>
-          <a:lstStyle/>
-          <a:p>
-            <a:pPr indent="0" lvl="0" marL="0" rtl="0" algn="ctr">
-              <a:lnSpc>
-                <a:spcPct val="115000"/>
-              </a:lnSpc>
-              <a:spcBef>
-                <a:spcPts val="0"/>
-              </a:spcBef>
-              <a:spcAft>
-                <a:spcPts val="0"/>
-              </a:spcAft>
-              <a:buNone/>
-            </a:pPr>
-            <a:r>
-              <a:rPr b="1" lang="pt-PT" sz="1800">
-                <a:solidFill>
-                  <a:srgbClr val="148A09"/>
-                </a:solidFill>
-              </a:rPr>
-              <a:t>In health all the details matter, and for us to simplify is to improve.</a:t>
-            </a:r>
-            <a:endParaRPr b="1">
-              <a:solidFill>
-                <a:srgbClr val="148A09"/>
-              </a:solidFill>
-            </a:endParaRPr>
-          </a:p>
-        </p:txBody>
-      </p:sp>
-      <p:sp>
-        <p:nvSpPr>
-          <p:cNvPr id="156" name="Google Shape;156;p26"/>
-          <p:cNvSpPr txBox="1"/>
-          <p:nvPr>
-            <p:ph type="title"/>
-          </p:nvPr>
-        </p:nvSpPr>
-        <p:spPr>
-          <a:xfrm>
-            <a:off x="311700" y="445025"/>
-            <a:ext cx="8520600" cy="572700"/>
-          </a:xfrm>
-          <a:prstGeom prst="rect">
-            <a:avLst/>
-          </a:prstGeom>
-        </p:spPr>
-        <p:txBody>
-          <a:bodyPr anchorCtr="0" anchor="t" bIns="91425" lIns="91425" spcFirstLastPara="1" rIns="91425" wrap="square" tIns="91425">
-            <a:noAutofit/>
-          </a:bodyPr>
-          <a:lstStyle/>
-          <a:p>
-            <a:pPr indent="0" lvl="0" marL="0" rtl="0" algn="ctr">
-              <a:spcBef>
-                <a:spcPts val="0"/>
-              </a:spcBef>
-              <a:spcAft>
-                <a:spcPts val="0"/>
-              </a:spcAft>
-              <a:buNone/>
-            </a:pPr>
-            <a:r>
-              <a:rPr b="1" lang="pt-PT" sz="3200">
-                <a:solidFill>
-                  <a:srgbClr val="000000"/>
-                </a:solidFill>
-                <a:latin typeface="Caveat"/>
-                <a:ea typeface="Caveat"/>
-                <a:cs typeface="Caveat"/>
-                <a:sym typeface="Caveat"/>
-              </a:rPr>
-              <a:t>OUR VISION</a:t>
-            </a:r>
-            <a:endParaRPr b="1" sz="3200">
-              <a:solidFill>
-                <a:srgbClr val="000000"/>
-              </a:solidFill>
-              <a:latin typeface="Caveat"/>
-              <a:ea typeface="Caveat"/>
-              <a:cs typeface="Caveat"/>
-              <a:sym typeface="Caveat"/>
-            </a:endParaRPr>
-          </a:p>
-        </p:txBody>
-      </p:sp>
-    </p:spTree>
-  </p:cSld>
-  <p:clrMapOvr>
-    <a:masterClrMapping/>
-  </p:clrMapOvr>
-</p:sld>
-</file>
-
-<file path=ppt/slides/slide15.xml><?xml version="1.0" encoding="utf-8"?>
-<p:sld xmlns:a="http://schemas.openxmlformats.org/drawingml/2006/main" xmlns:r="http://schemas.openxmlformats.org/officeDocument/2006/relationships" xmlns:mc="http://schemas.openxmlformats.org/markup-compatibility/2006" xmlns:mv="urn:schemas-microsoft-com:mac:vml" xmlns:p="http://schemas.openxmlformats.org/presentationml/2006/main" xmlns:c="http://schemas.openxmlformats.org/drawingml/2006/chart" xmlns:dgm="http://schemas.openxmlformats.org/drawingml/2006/diagram" xmlns:o="urn:schemas-microsoft-com:office:office" xmlns:v="urn:schemas-microsoft-com:vml" xmlns:pvml="urn:schemas-microsoft-com:office:powerpoint" xmlns:com="http://schemas.openxmlformats.org/drawingml/2006/compatibility" xmlns:p14="http://schemas.microsoft.com/office/powerpoint/2010/main" xmlns:p15="http://schemas.microsoft.com/office/powerpoint/2012/main">
-  <p:cSld>
-    <p:spTree>
-      <p:nvGrpSpPr>
-        <p:cNvPr id="160" name="Shape 160"/>
-        <p:cNvGrpSpPr/>
-        <p:nvPr/>
-      </p:nvGrpSpPr>
-      <p:grpSpPr>
-        <a:xfrm>
-          <a:off x="0" y="0"/>
-          <a:ext cx="0" cy="0"/>
-          <a:chOff x="0" y="0"/>
-          <a:chExt cx="0" cy="0"/>
-        </a:xfrm>
-      </p:grpSpPr>
-      <p:sp>
-        <p:nvSpPr>
-          <p:cNvPr id="161" name="Google Shape;161;p27"/>
-          <p:cNvSpPr txBox="1"/>
-          <p:nvPr>
-            <p:ph type="ctrTitle"/>
-          </p:nvPr>
-        </p:nvSpPr>
-        <p:spPr>
-          <a:xfrm>
-            <a:off x="0" y="0"/>
-            <a:ext cx="9144000" cy="5143500"/>
-          </a:xfrm>
-          <a:prstGeom prst="rect">
-            <a:avLst/>
-          </a:prstGeom>
-          <a:solidFill>
-            <a:srgbClr val="F1C232"/>
-          </a:solidFill>
-        </p:spPr>
-        <p:txBody>
-          <a:bodyPr anchorCtr="0" anchor="ctr" bIns="91425" lIns="91425" spcFirstLastPara="1" rIns="91425" wrap="square" tIns="91425">
-            <a:noAutofit/>
-          </a:bodyPr>
-          <a:lstStyle/>
-          <a:p>
-            <a:pPr indent="0" lvl="0" marL="0" rtl="0" algn="ctr">
-              <a:spcBef>
-                <a:spcPts val="0"/>
-              </a:spcBef>
-              <a:spcAft>
-                <a:spcPts val="0"/>
-              </a:spcAft>
-              <a:buNone/>
-            </a:pPr>
-            <a:r>
-              <a:rPr b="1" lang="pt-PT" sz="12300">
-                <a:solidFill>
-                  <a:srgbClr val="FFFFFF"/>
-                </a:solidFill>
-                <a:latin typeface="Caveat"/>
-                <a:ea typeface="Caveat"/>
-                <a:cs typeface="Caveat"/>
-                <a:sym typeface="Caveat"/>
-              </a:rPr>
-              <a:t>THANK YOU!</a:t>
-            </a:r>
-            <a:endParaRPr b="1" sz="12300">
-              <a:solidFill>
-                <a:srgbClr val="FFFFFF"/>
-              </a:solidFill>
-              <a:latin typeface="Caveat"/>
-              <a:ea typeface="Caveat"/>
-              <a:cs typeface="Caveat"/>
-              <a:sym typeface="Caveat"/>
             </a:endParaRPr>
           </a:p>
         </p:txBody>
@@ -8342,25 +7917,25 @@
               <a:buNone/>
             </a:pPr>
             <a:r>
-              <a:rPr b="1" lang="pt-PT" sz="12300">
+              <a:rPr b="1" lang="pt-PT" sz="9600">
                 <a:solidFill>
                   <a:srgbClr val="FFFFFF"/>
                 </a:solidFill>
-                <a:latin typeface="Caveat"/>
-                <a:ea typeface="Caveat"/>
-                <a:cs typeface="Caveat"/>
-                <a:sym typeface="Caveat"/>
+                <a:latin typeface="Calibri"/>
+                <a:ea typeface="Calibri"/>
+                <a:cs typeface="Calibri"/>
+                <a:sym typeface="Calibri"/>
               </a:rPr>
               <a:t>WHAT?</a:t>
             </a:r>
-            <a:endParaRPr b="1" sz="12300">
+            <a:endParaRPr b="1" sz="9600">
               <a:solidFill>
                 <a:srgbClr val="FFFFFF"/>
               </a:solidFill>
-              <a:latin typeface="Caveat"/>
-              <a:ea typeface="Caveat"/>
-              <a:cs typeface="Caveat"/>
-              <a:sym typeface="Caveat"/>
+              <a:latin typeface="Calibri"/>
+              <a:ea typeface="Calibri"/>
+              <a:cs typeface="Calibri"/>
+              <a:sym typeface="Calibri"/>
             </a:endParaRPr>
           </a:p>
         </p:txBody>
@@ -8427,10 +8002,10 @@
                 <a:solidFill>
                   <a:srgbClr val="5B0F00"/>
                 </a:solidFill>
-                <a:latin typeface="Caveat"/>
-                <a:ea typeface="Caveat"/>
-                <a:cs typeface="Caveat"/>
-                <a:sym typeface="Caveat"/>
+                <a:latin typeface="Calibri"/>
+                <a:ea typeface="Calibri"/>
+                <a:cs typeface="Calibri"/>
+                <a:sym typeface="Calibri"/>
               </a:rPr>
               <a:t>GIVING SOME CONTEXT...</a:t>
             </a:r>
@@ -8438,10 +8013,10 @@
               <a:solidFill>
                 <a:srgbClr val="5B0F00"/>
               </a:solidFill>
-              <a:latin typeface="Caveat"/>
-              <a:ea typeface="Caveat"/>
-              <a:cs typeface="Caveat"/>
-              <a:sym typeface="Caveat"/>
+              <a:latin typeface="Calibri"/>
+              <a:ea typeface="Calibri"/>
+              <a:cs typeface="Calibri"/>
+              <a:sym typeface="Calibri"/>
             </a:endParaRPr>
           </a:p>
         </p:txBody>
@@ -8456,7 +8031,7 @@
         </p:nvSpPr>
         <p:spPr>
           <a:xfrm>
-            <a:off x="311700" y="1590963"/>
+            <a:off x="311700" y="1723563"/>
             <a:ext cx="8520600" cy="501300"/>
           </a:xfrm>
           <a:prstGeom prst="rect">
@@ -8545,7 +8120,7 @@
         </p:nvSpPr>
         <p:spPr>
           <a:xfrm>
-            <a:off x="311700" y="2228550"/>
+            <a:off x="311700" y="3520025"/>
             <a:ext cx="8520600" cy="572700"/>
           </a:xfrm>
           <a:prstGeom prst="rect">
@@ -8614,7 +8189,7 @@
         </p:nvSpPr>
         <p:spPr>
           <a:xfrm>
-            <a:off x="311700" y="2932875"/>
+            <a:off x="311700" y="2313850"/>
             <a:ext cx="8520600" cy="1117200"/>
           </a:xfrm>
           <a:prstGeom prst="rect">
@@ -8797,25 +8372,25 @@
               <a:buNone/>
             </a:pPr>
             <a:r>
-              <a:rPr b="1" lang="pt-PT" sz="12300">
+              <a:rPr b="1" lang="pt-PT" sz="9600">
                 <a:solidFill>
                   <a:srgbClr val="FFFFFF"/>
                 </a:solidFill>
-                <a:latin typeface="Caveat"/>
-                <a:ea typeface="Caveat"/>
-                <a:cs typeface="Caveat"/>
-                <a:sym typeface="Caveat"/>
+                <a:latin typeface="Calibri"/>
+                <a:ea typeface="Calibri"/>
+                <a:cs typeface="Calibri"/>
+                <a:sym typeface="Calibri"/>
               </a:rPr>
               <a:t>WHY?</a:t>
             </a:r>
-            <a:endParaRPr b="1" sz="12300">
+            <a:endParaRPr b="1" sz="9600">
               <a:solidFill>
                 <a:srgbClr val="FFFFFF"/>
               </a:solidFill>
-              <a:latin typeface="Caveat"/>
-              <a:ea typeface="Caveat"/>
-              <a:cs typeface="Caveat"/>
-              <a:sym typeface="Caveat"/>
+              <a:latin typeface="Calibri"/>
+              <a:ea typeface="Calibri"/>
+              <a:cs typeface="Calibri"/>
+              <a:sym typeface="Calibri"/>
             </a:endParaRPr>
           </a:p>
         </p:txBody>
@@ -8882,10 +8457,10 @@
                 <a:solidFill>
                   <a:srgbClr val="783F04"/>
                 </a:solidFill>
-                <a:latin typeface="Caveat"/>
-                <a:ea typeface="Caveat"/>
-                <a:cs typeface="Caveat"/>
-                <a:sym typeface="Caveat"/>
+                <a:latin typeface="Calibri"/>
+                <a:ea typeface="Calibri"/>
+                <a:cs typeface="Calibri"/>
+                <a:sym typeface="Calibri"/>
               </a:rPr>
               <a:t>PROBLEM</a:t>
             </a:r>
@@ -8893,10 +8468,10 @@
               <a:solidFill>
                 <a:srgbClr val="783F04"/>
               </a:solidFill>
-              <a:latin typeface="Caveat"/>
-              <a:ea typeface="Caveat"/>
-              <a:cs typeface="Caveat"/>
-              <a:sym typeface="Caveat"/>
+              <a:latin typeface="Calibri"/>
+              <a:ea typeface="Calibri"/>
+              <a:cs typeface="Calibri"/>
+              <a:sym typeface="Calibri"/>
             </a:endParaRPr>
           </a:p>
         </p:txBody>
@@ -9293,9 +8868,17 @@
                 <a:cs typeface="Calibri"/>
                 <a:sym typeface="Calibri"/>
               </a:rPr>
-              <a:t>Stock Rupture</a:t>
+              <a:t>Lower number of pharmacies and distance between them</a:t>
             </a:r>
-            <a:endParaRPr/>
+            <a:endParaRPr sz="1800">
+              <a:solidFill>
+                <a:schemeClr val="dk1"/>
+              </a:solidFill>
+              <a:latin typeface="Calibri"/>
+              <a:ea typeface="Calibri"/>
+              <a:cs typeface="Calibri"/>
+              <a:sym typeface="Calibri"/>
+            </a:endParaRPr>
           </a:p>
         </p:txBody>
       </p:sp>
@@ -9476,7 +9059,7 @@
                 <a:cs typeface="Calibri"/>
                 <a:sym typeface="Calibri"/>
               </a:rPr>
-              <a:t>Production problems by the pharmaceutical industry</a:t>
+              <a:t>Production problems by the pharmaceutical industry (Stock rupture)</a:t>
             </a:r>
             <a:endParaRPr/>
           </a:p>
@@ -9543,25 +9126,25 @@
               <a:buNone/>
             </a:pPr>
             <a:r>
-              <a:rPr b="1" lang="pt-PT" sz="12300">
+              <a:rPr b="1" lang="pt-PT" sz="9600">
                 <a:solidFill>
                   <a:srgbClr val="FFFFFF"/>
                 </a:solidFill>
-                <a:latin typeface="Caveat"/>
-                <a:ea typeface="Caveat"/>
-                <a:cs typeface="Caveat"/>
-                <a:sym typeface="Caveat"/>
+                <a:latin typeface="Calibri"/>
+                <a:ea typeface="Calibri"/>
+                <a:cs typeface="Calibri"/>
+                <a:sym typeface="Calibri"/>
               </a:rPr>
               <a:t>SOLUTION?</a:t>
             </a:r>
-            <a:endParaRPr b="1" sz="12300">
+            <a:endParaRPr b="1" sz="9600">
               <a:solidFill>
                 <a:srgbClr val="FFFFFF"/>
               </a:solidFill>
-              <a:latin typeface="Caveat"/>
-              <a:ea typeface="Caveat"/>
-              <a:cs typeface="Caveat"/>
-              <a:sym typeface="Caveat"/>
+              <a:latin typeface="Calibri"/>
+              <a:ea typeface="Calibri"/>
+              <a:cs typeface="Calibri"/>
+              <a:sym typeface="Calibri"/>
             </a:endParaRPr>
           </a:p>
         </p:txBody>
@@ -9628,10 +9211,10 @@
                 <a:solidFill>
                   <a:srgbClr val="148A09"/>
                 </a:solidFill>
-                <a:latin typeface="Caveat"/>
-                <a:ea typeface="Caveat"/>
-                <a:cs typeface="Caveat"/>
-                <a:sym typeface="Caveat"/>
+                <a:latin typeface="Calibri"/>
+                <a:ea typeface="Calibri"/>
+                <a:cs typeface="Calibri"/>
+                <a:sym typeface="Calibri"/>
               </a:rPr>
               <a:t>SOLUTION</a:t>
             </a:r>
@@ -9639,10 +9222,10 @@
               <a:solidFill>
                 <a:srgbClr val="148A09"/>
               </a:solidFill>
-              <a:latin typeface="Caveat"/>
-              <a:ea typeface="Caveat"/>
-              <a:cs typeface="Caveat"/>
-              <a:sym typeface="Caveat"/>
+              <a:latin typeface="Calibri"/>
+              <a:ea typeface="Calibri"/>
+              <a:cs typeface="Calibri"/>
+              <a:sym typeface="Calibri"/>
             </a:endParaRPr>
           </a:p>
         </p:txBody>
@@ -9912,7 +9495,66 @@
                 <a:cs typeface="Calibri"/>
                 <a:sym typeface="Calibri"/>
               </a:rPr>
-              <a:t>Facilitating the obtaining of the medicine we guarantee the treatment is initiated as soon as possible reducing the time spent and possibly improving the client’s health.</a:t>
+              <a:t>Facilitating the obtaining of the medicine</a:t>
+            </a:r>
+            <a:r>
+              <a:rPr lang="pt-PT" sz="1800">
+                <a:solidFill>
+                  <a:schemeClr val="dk1"/>
+                </a:solidFill>
+                <a:latin typeface="Calibri"/>
+                <a:ea typeface="Calibri"/>
+                <a:cs typeface="Calibri"/>
+                <a:sym typeface="Calibri"/>
+              </a:rPr>
+              <a:t> we improve the chances for</a:t>
+            </a:r>
+            <a:r>
+              <a:rPr lang="pt-PT" sz="1800">
+                <a:solidFill>
+                  <a:schemeClr val="dk1"/>
+                </a:solidFill>
+                <a:latin typeface="Calibri"/>
+                <a:ea typeface="Calibri"/>
+                <a:cs typeface="Calibri"/>
+                <a:sym typeface="Calibri"/>
+              </a:rPr>
+              <a:t> the treatment being initiated as soon as possible.</a:t>
+            </a:r>
+            <a:endParaRPr sz="1800">
+              <a:solidFill>
+                <a:schemeClr val="dk1"/>
+              </a:solidFill>
+              <a:latin typeface="Calibri"/>
+              <a:ea typeface="Calibri"/>
+              <a:cs typeface="Calibri"/>
+              <a:sym typeface="Calibri"/>
+            </a:endParaRPr>
+          </a:p>
+          <a:p>
+            <a:pPr indent="0" lvl="0" marL="0" rtl="0" algn="ctr">
+              <a:lnSpc>
+                <a:spcPct val="115000"/>
+              </a:lnSpc>
+              <a:spcBef>
+                <a:spcPts val="0"/>
+              </a:spcBef>
+              <a:spcAft>
+                <a:spcPts val="0"/>
+              </a:spcAft>
+              <a:buNone/>
+            </a:pPr>
+            <a:r>
+              <a:rPr lang="pt-PT" sz="1800">
+                <a:solidFill>
+                  <a:schemeClr val="dk1"/>
+                </a:solidFill>
+                <a:latin typeface="Calibri"/>
+                <a:ea typeface="Calibri"/>
+                <a:cs typeface="Calibri"/>
+                <a:sym typeface="Calibri"/>
+              </a:rPr>
+              <a:t> Reducing the time spent and possibly improving the client’s health.</a:t>
             </a:r>
             <a:endParaRPr/>
           </a:p>
@@ -9979,25 +9621,25 @@
               <a:buNone/>
             </a:pPr>
             <a:r>
-              <a:rPr b="1" lang="pt-PT" sz="12300">
+              <a:rPr b="1" lang="pt-PT" sz="9600">
                 <a:solidFill>
                   <a:srgbClr val="FFFFFF"/>
                 </a:solidFill>
-                <a:latin typeface="Caveat"/>
-                <a:ea typeface="Caveat"/>
-                <a:cs typeface="Caveat"/>
-                <a:sym typeface="Caveat"/>
+                <a:latin typeface="Calibri"/>
+                <a:ea typeface="Calibri"/>
+                <a:cs typeface="Calibri"/>
+                <a:sym typeface="Calibri"/>
               </a:rPr>
               <a:t>HOW?</a:t>
             </a:r>
-            <a:endParaRPr b="1" sz="12300">
+            <a:endParaRPr b="1" sz="9600">
               <a:solidFill>
                 <a:srgbClr val="FFFFFF"/>
               </a:solidFill>
-              <a:latin typeface="Caveat"/>
-              <a:ea typeface="Caveat"/>
-              <a:cs typeface="Caveat"/>
-              <a:sym typeface="Caveat"/>
+              <a:latin typeface="Calibri"/>
+              <a:ea typeface="Calibri"/>
+              <a:cs typeface="Calibri"/>
+              <a:sym typeface="Calibri"/>
             </a:endParaRPr>
           </a:p>
         </p:txBody>
@@ -10027,9 +9669,183 @@
           <a:chExt cx="0" cy="0"/>
         </a:xfrm>
       </p:grpSpPr>
+      <p:sp>
+        <p:nvSpPr>
+          <p:cNvPr id="110" name="Google Shape;110;p21"/>
+          <p:cNvSpPr txBox="1"/>
+          <p:nvPr/>
+        </p:nvSpPr>
+        <p:spPr>
+          <a:xfrm>
+            <a:off x="819600" y="2943250"/>
+            <a:ext cx="7504800" cy="1601400"/>
+          </a:xfrm>
+          <a:prstGeom prst="rect">
+            <a:avLst/>
+          </a:prstGeom>
+          <a:solidFill>
+            <a:srgbClr val="FFE599"/>
+          </a:solidFill>
+          <a:ln cap="flat" cmpd="sng" w="76200">
+            <a:solidFill>
+              <a:srgbClr val="179E0B"/>
+            </a:solidFill>
+            <a:prstDash val="solid"/>
+            <a:round/>
+            <a:headEnd len="sm" w="sm" type="none"/>
+            <a:tailEnd len="sm" w="sm" type="none"/>
+          </a:ln>
+        </p:spPr>
+        <p:txBody>
+          <a:bodyPr anchorCtr="0" anchor="ctr" bIns="91425" lIns="91425" spcFirstLastPara="1" rIns="91425" wrap="square" tIns="91425">
+            <a:noAutofit/>
+          </a:bodyPr>
+          <a:lstStyle/>
+          <a:p>
+            <a:pPr indent="0" lvl="0" marL="457200" rtl="0" algn="ctr">
+              <a:lnSpc>
+                <a:spcPct val="115000"/>
+              </a:lnSpc>
+              <a:spcBef>
+                <a:spcPts val="0"/>
+              </a:spcBef>
+              <a:spcAft>
+                <a:spcPts val="0"/>
+              </a:spcAft>
+              <a:buNone/>
+            </a:pPr>
+            <a:r>
+              <a:rPr b="1" lang="pt-PT" sz="2100">
+                <a:solidFill>
+                  <a:srgbClr val="434343"/>
+                </a:solidFill>
+                <a:latin typeface="Calibri"/>
+                <a:ea typeface="Calibri"/>
+                <a:cs typeface="Calibri"/>
+                <a:sym typeface="Calibri"/>
+              </a:rPr>
+              <a:t>User-friendly interface</a:t>
+            </a:r>
+            <a:endParaRPr b="1" sz="2100">
+              <a:solidFill>
+                <a:srgbClr val="434343"/>
+              </a:solidFill>
+              <a:latin typeface="Calibri"/>
+              <a:ea typeface="Calibri"/>
+              <a:cs typeface="Calibri"/>
+              <a:sym typeface="Calibri"/>
+            </a:endParaRPr>
+          </a:p>
+          <a:p>
+            <a:pPr indent="0" lvl="0" marL="457200" rtl="0" algn="ctr">
+              <a:lnSpc>
+                <a:spcPct val="115000"/>
+              </a:lnSpc>
+              <a:spcBef>
+                <a:spcPts val="0"/>
+              </a:spcBef>
+              <a:spcAft>
+                <a:spcPts val="0"/>
+              </a:spcAft>
+              <a:buNone/>
+            </a:pPr>
+            <a:r>
+              <a:rPr b="1" lang="pt-PT" sz="2100">
+                <a:solidFill>
+                  <a:srgbClr val="434343"/>
+                </a:solidFill>
+                <a:latin typeface="Calibri"/>
+                <a:ea typeface="Calibri"/>
+                <a:cs typeface="Calibri"/>
+                <a:sym typeface="Calibri"/>
+              </a:rPr>
+              <a:t>Highly precise geolocalization (API: OpenStreetMap)</a:t>
+            </a:r>
+            <a:endParaRPr b="1" sz="2100">
+              <a:solidFill>
+                <a:srgbClr val="434343"/>
+              </a:solidFill>
+              <a:latin typeface="Calibri"/>
+              <a:ea typeface="Calibri"/>
+              <a:cs typeface="Calibri"/>
+              <a:sym typeface="Calibri"/>
+            </a:endParaRPr>
+          </a:p>
+          <a:p>
+            <a:pPr indent="0" lvl="0" marL="457200" rtl="0" algn="ctr">
+              <a:lnSpc>
+                <a:spcPct val="115000"/>
+              </a:lnSpc>
+              <a:spcBef>
+                <a:spcPts val="0"/>
+              </a:spcBef>
+              <a:spcAft>
+                <a:spcPts val="0"/>
+              </a:spcAft>
+              <a:buNone/>
+            </a:pPr>
+            <a:r>
+              <a:rPr b="1" lang="pt-PT" sz="2100">
+                <a:solidFill>
+                  <a:srgbClr val="434343"/>
+                </a:solidFill>
+                <a:latin typeface="Calibri"/>
+                <a:ea typeface="Calibri"/>
+                <a:cs typeface="Calibri"/>
+                <a:sym typeface="Calibri"/>
+              </a:rPr>
+              <a:t>Huge database of pharmacies and medicines (&gt;5000)</a:t>
+            </a:r>
+            <a:endParaRPr b="1" sz="2100">
+              <a:solidFill>
+                <a:srgbClr val="434343"/>
+              </a:solidFill>
+              <a:latin typeface="Calibri"/>
+              <a:ea typeface="Calibri"/>
+              <a:cs typeface="Calibri"/>
+              <a:sym typeface="Calibri"/>
+            </a:endParaRPr>
+          </a:p>
+          <a:p>
+            <a:pPr indent="0" lvl="0" marL="457200" rtl="0" algn="ctr">
+              <a:lnSpc>
+                <a:spcPct val="115000"/>
+              </a:lnSpc>
+              <a:spcBef>
+                <a:spcPts val="0"/>
+              </a:spcBef>
+              <a:spcAft>
+                <a:spcPts val="0"/>
+              </a:spcAft>
+              <a:buNone/>
+            </a:pPr>
+            <a:r>
+              <a:rPr b="1" lang="pt-PT" sz="2100">
+                <a:solidFill>
+                  <a:srgbClr val="434343"/>
+                </a:solidFill>
+                <a:latin typeface="Calibri"/>
+                <a:ea typeface="Calibri"/>
+                <a:cs typeface="Calibri"/>
+                <a:sym typeface="Calibri"/>
+              </a:rPr>
+              <a:t>Stock precision (&gt;99%)</a:t>
+            </a:r>
+            <a:endParaRPr b="1" sz="2100">
+              <a:solidFill>
+                <a:srgbClr val="434343"/>
+              </a:solidFill>
+              <a:latin typeface="Calibri"/>
+              <a:ea typeface="Calibri"/>
+              <a:cs typeface="Calibri"/>
+              <a:sym typeface="Calibri"/>
+            </a:endParaRPr>
+          </a:p>
+        </p:txBody>
+      </p:sp>
       <p:pic>
         <p:nvPicPr>
-          <p:cNvPr id="110" name="Google Shape;110;p21"/>
+          <p:cNvPr id="111" name="Google Shape;111;p21"/>
           <p:cNvPicPr preferRelativeResize="0"/>
           <p:nvPr/>
         </p:nvPicPr>
@@ -10043,27 +9859,21 @@
         </p:blipFill>
         <p:spPr>
           <a:xfrm>
-            <a:off x="263924" y="779625"/>
-            <a:ext cx="4193425" cy="4245750"/>
+            <a:off x="-10" y="4709788"/>
+            <a:ext cx="1290935" cy="423300"/>
           </a:xfrm>
           <a:prstGeom prst="rect">
             <a:avLst/>
           </a:prstGeom>
           <a:noFill/>
-          <a:ln cap="flat" cmpd="sng" w="28575">
-            <a:solidFill>
-              <a:srgbClr val="000000"/>
-            </a:solidFill>
-            <a:prstDash val="solid"/>
-            <a:round/>
-            <a:headEnd len="sm" w="sm" type="none"/>
-            <a:tailEnd len="sm" w="sm" type="none"/>
+          <a:ln>
+            <a:noFill/>
           </a:ln>
         </p:spPr>
       </p:pic>
       <p:pic>
         <p:nvPicPr>
-          <p:cNvPr id="111" name="Google Shape;111;p21"/>
+          <p:cNvPr id="112" name="Google Shape;112;p21"/>
           <p:cNvPicPr preferRelativeResize="0"/>
           <p:nvPr/>
         </p:nvPicPr>
@@ -10077,27 +9887,21 @@
         </p:blipFill>
         <p:spPr>
           <a:xfrm>
-            <a:off x="4727825" y="779625"/>
-            <a:ext cx="4082066" cy="4245750"/>
+            <a:off x="8195025" y="4699375"/>
+            <a:ext cx="948975" cy="444125"/>
           </a:xfrm>
           <a:prstGeom prst="rect">
             <a:avLst/>
           </a:prstGeom>
           <a:noFill/>
-          <a:ln cap="flat" cmpd="sng" w="28575">
-            <a:solidFill>
-              <a:srgbClr val="000000"/>
-            </a:solidFill>
-            <a:prstDash val="solid"/>
-            <a:round/>
-            <a:headEnd len="sm" w="sm" type="none"/>
-            <a:tailEnd len="sm" w="sm" type="none"/>
+          <a:ln>
+            <a:noFill/>
           </a:ln>
         </p:spPr>
       </p:pic>
       <p:sp>
         <p:nvSpPr>
-          <p:cNvPr id="112" name="Google Shape;112;p21"/>
+          <p:cNvPr id="113" name="Google Shape;113;p21"/>
           <p:cNvSpPr txBox="1"/>
           <p:nvPr>
             <p:ph type="title"/>
@@ -10105,8 +9909,8 @@
         </p:nvSpPr>
         <p:spPr>
           <a:xfrm>
-            <a:off x="0" y="0"/>
-            <a:ext cx="9144000" cy="621000"/>
+            <a:off x="311700" y="445025"/>
+            <a:ext cx="8520600" cy="572700"/>
           </a:xfrm>
           <a:prstGeom prst="rect">
             <a:avLst/>
@@ -10129,18 +9933,93 @@
             </a:pPr>
             <a:r>
               <a:rPr b="1" lang="pt-PT" sz="3200">
-                <a:latin typeface="Caveat"/>
-                <a:ea typeface="Caveat"/>
-                <a:cs typeface="Caveat"/>
-                <a:sym typeface="Caveat"/>
+                <a:solidFill>
+                  <a:srgbClr val="0C343D"/>
+                </a:solidFill>
+                <a:latin typeface="Calibri"/>
+                <a:ea typeface="Calibri"/>
+                <a:cs typeface="Calibri"/>
+                <a:sym typeface="Calibri"/>
               </a:rPr>
-              <a:t>Searching a medicine...</a:t>
+              <a:t>SPECIFICATIONS</a:t>
             </a:r>
             <a:endParaRPr b="1" sz="3200">
-              <a:latin typeface="Caveat"/>
-              <a:ea typeface="Caveat"/>
-              <a:cs typeface="Caveat"/>
-              <a:sym typeface="Caveat"/>
+              <a:solidFill>
+                <a:srgbClr val="0C343D"/>
+              </a:solidFill>
+              <a:latin typeface="Calibri"/>
+              <a:ea typeface="Calibri"/>
+              <a:cs typeface="Calibri"/>
+              <a:sym typeface="Calibri"/>
+            </a:endParaRPr>
+          </a:p>
+        </p:txBody>
+      </p:sp>
+      <p:sp>
+        <p:nvSpPr>
+          <p:cNvPr id="114" name="Google Shape;114;p21"/>
+          <p:cNvSpPr txBox="1"/>
+          <p:nvPr/>
+        </p:nvSpPr>
+        <p:spPr>
+          <a:xfrm>
+            <a:off x="819600" y="1222988"/>
+            <a:ext cx="7504800" cy="1515000"/>
+          </a:xfrm>
+          <a:prstGeom prst="rect">
+            <a:avLst/>
+          </a:prstGeom>
+          <a:solidFill>
+            <a:srgbClr val="FFF2CC"/>
+          </a:solidFill>
+          <a:ln cap="flat" cmpd="sng" w="76200">
+            <a:solidFill>
+              <a:srgbClr val="179E0B"/>
+            </a:solidFill>
+            <a:prstDash val="solid"/>
+            <a:round/>
+            <a:headEnd len="sm" w="sm" type="none"/>
+            <a:tailEnd len="sm" w="sm" type="none"/>
+          </a:ln>
+        </p:spPr>
+        <p:txBody>
+          <a:bodyPr anchorCtr="0" anchor="ctr" bIns="91425" lIns="91425" spcFirstLastPara="1" rIns="91425" wrap="square" tIns="91425">
+            <a:noAutofit/>
+          </a:bodyPr>
+          <a:lstStyle/>
+          <a:p>
+            <a:pPr indent="0" lvl="0" marL="0" rtl="0" algn="ctr">
+              <a:lnSpc>
+                <a:spcPct val="115000"/>
+              </a:lnSpc>
+              <a:spcBef>
+                <a:spcPts val="0"/>
+              </a:spcBef>
+              <a:spcAft>
+                <a:spcPts val="0"/>
+              </a:spcAft>
+              <a:buNone/>
+            </a:pPr>
+            <a:r>
+              <a:rPr b="1" lang="pt-PT" sz="2100">
+                <a:solidFill>
+                  <a:srgbClr val="434343"/>
+                </a:solidFill>
+                <a:latin typeface="Calibri"/>
+                <a:ea typeface="Calibri"/>
+                <a:cs typeface="Calibri"/>
+                <a:sym typeface="Calibri"/>
+              </a:rPr>
+              <a:t>The combination (Position + Medicine + Radius) will send a request to our database and upon comparison the three closest pharmacies will be given in a map.</a:t>
+            </a:r>
+            <a:endParaRPr b="1" sz="2100">
+              <a:solidFill>
+                <a:srgbClr val="434343"/>
+              </a:solidFill>
+              <a:latin typeface="Calibri"/>
+              <a:ea typeface="Calibri"/>
+              <a:cs typeface="Calibri"/>
+              <a:sym typeface="Calibri"/>
             </a:endParaRPr>
           </a:p>
         </p:txBody>
@@ -10154,6 +10033,285 @@
 </file>
 
 <file path=ppt/theme/theme1.xml><?xml version="1.0" encoding="utf-8"?>
+<a:theme xmlns:a="http://schemas.openxmlformats.org/drawingml/2006/main" xmlns:r="http://schemas.openxmlformats.org/officeDocument/2006/relationships">
+  <a:themeElements>
+    <a:clrScheme name="Default">
+      <a:dk1>
+        <a:srgbClr val="000000"/>
+      </a:dk1>
+      <a:lt1>
+        <a:srgbClr val="FFFFFF"/>
+      </a:lt1>
+      <a:dk2>
+        <a:srgbClr val="158158"/>
+      </a:dk2>
+      <a:lt2>
+        <a:srgbClr val="F3F3F3"/>
+      </a:lt2>
+      <a:accent1>
+        <a:srgbClr val="058DC7"/>
+      </a:accent1>
+      <a:accent2>
+        <a:srgbClr val="50B432"/>
+      </a:accent2>
+      <a:accent3>
+        <a:srgbClr val="ED561B"/>
+      </a:accent3>
+      <a:accent4>
+        <a:srgbClr val="EDEF00"/>
+      </a:accent4>
+      <a:accent5>
+        <a:srgbClr val="24CBE5"/>
+      </a:accent5>
+      <a:accent6>
+        <a:srgbClr val="64E572"/>
+      </a:accent6>
+      <a:hlink>
+        <a:srgbClr val="2200CC"/>
+      </a:hlink>
+      <a:folHlink>
+        <a:srgbClr val="551A8B"/>
+      </a:folHlink>
+    </a:clrScheme>
+    <a:fontScheme name="Office">
+      <a:majorFont>
+        <a:latin typeface="Arial"/>
+        <a:ea typeface=""/>
+        <a:cs typeface=""/>
+        <a:font script="Jpan" typeface="ＭＳ Ｐゴシック"/>
+        <a:font script="Hang" typeface="맑은 고딕"/>
+        <a:font script="Hans" typeface="宋体"/>
+        <a:font script="Hant" typeface="新細明體"/>
+        <a:font script="Arab" typeface="Times New Roman"/>
+        <a:font script="Hebr" typeface="Times New Roman"/>
+        <a:font script="Thai" typeface="Angsana New"/>
+        <a:font script="Ethi" typeface="Nyala"/>
+        <a:font script="Beng" typeface="Vrinda"/>
+        <a:font script="Gujr" typeface="Shruti"/>
+        <a:font script="Khmr" typeface="MoolBoran"/>
+        <a:font script="Knda" typeface="Tunga"/>
+        <a:font script="Guru" typeface="Raavi"/>
+        <a:font script="Cans" typeface="Euphemia"/>
+        <a:font script="Cher" typeface="Plantagenet Cherokee"/>
+        <a:font script="Yiii" typeface="Microsoft Yi Baiti"/>
+        <a:font script="Tibt" typeface="Microsoft Himalaya"/>
+        <a:font script="Thaa" typeface="MV Boli"/>
+        <a:font script="Deva" typeface="Mangal"/>
+        <a:font script="Telu" typeface="Gautami"/>
+        <a:font script="Taml" typeface="Latha"/>
+        <a:font script="Syrc" typeface="Estrangelo Edessa"/>
+        <a:font script="Orya" typeface="Kalinga"/>
+        <a:font script="Mlym" typeface="Kartika"/>
+        <a:font script="Laoo" typeface="DokChampa"/>
+        <a:font script="Sinh" typeface="Iskoola Pota"/>
+        <a:font script="Mong" typeface="Mongolian Baiti"/>
+        <a:font script="Viet" typeface="Times New Roman"/>
+        <a:font script="Uigh" typeface="Microsoft Uighur"/>
+        <a:font script="Geor" typeface="Sylfaen"/>
+      </a:majorFont>
+      <a:minorFont>
+        <a:latin typeface="Arial"/>
+        <a:ea typeface=""/>
+        <a:cs typeface=""/>
+        <a:font script="Jpan" typeface="ＭＳ Ｐゴシック"/>
+        <a:font script="Hang" typeface="맑은 고딕"/>
+        <a:font script="Hans" typeface="宋体"/>
+        <a:font script="Hant" typeface="新細明體"/>
+        <a:font script="Arab" typeface="Arial"/>
+        <a:font script="Hebr" typeface="Arial"/>
+        <a:font script="Thai" typeface="Cordia New"/>
+        <a:font script="Ethi" typeface="Nyala"/>
+        <a:font script="Beng" typeface="Vrinda"/>
+        <a:font script="Gujr" typeface="Shruti"/>
+        <a:font script="Khmr" typeface="DaunPenh"/>
+        <a:font script="Knda" typeface="Tunga"/>
+        <a:font script="Guru" typeface="Raavi"/>
+        <a:font script="Cans" typeface="Euphemia"/>
+        <a:font script="Cher" typeface="Plantagenet Cherokee"/>
+        <a:font script="Yiii" typeface="Microsoft Yi Baiti"/>
+        <a:font script="Tibt" typeface="Microsoft Himalaya"/>
+        <a:font script="Thaa" typeface="MV Boli"/>
+        <a:font script="Deva" typeface="Mangal"/>
+        <a:font script="Telu" typeface="Gautami"/>
+        <a:font script="Taml" typeface="Latha"/>
+        <a:font script="Syrc" typeface="Estrangelo Edessa"/>
+        <a:font script="Orya" typeface="Kalinga"/>
+        <a:font script="Mlym" typeface="Kartika"/>
+        <a:font script="Laoo" typeface="DokChampa"/>
+        <a:font script="Sinh" typeface="Iskoola Pota"/>
+        <a:font script="Mong" typeface="Mongolian Baiti"/>
+        <a:font script="Viet" typeface="Arial"/>
+        <a:font script="Uigh" typeface="Microsoft Uighur"/>
+        <a:font script="Geor" typeface="Sylfaen"/>
+      </a:minorFont>
+    </a:fontScheme>
+    <a:fmtScheme name="Office">
+      <a:fillStyleLst>
+        <a:solidFill>
+          <a:schemeClr val="phClr"/>
+        </a:solidFill>
+        <a:gradFill rotWithShape="1">
+          <a:gsLst>
+            <a:gs pos="0">
+              <a:schemeClr val="phClr">
+                <a:tint val="50000"/>
+                <a:satMod val="300000"/>
+              </a:schemeClr>
+            </a:gs>
+            <a:gs pos="35000">
+              <a:schemeClr val="phClr">
+                <a:tint val="37000"/>
+                <a:satMod val="300000"/>
+              </a:schemeClr>
+            </a:gs>
+            <a:gs pos="100000">
+              <a:schemeClr val="phClr">
+                <a:tint val="15000"/>
+                <a:satMod val="350000"/>
+              </a:schemeClr>
+            </a:gs>
+          </a:gsLst>
+          <a:lin ang="16200000" scaled="1"/>
+        </a:gradFill>
+        <a:gradFill rotWithShape="1">
+          <a:gsLst>
+            <a:gs pos="0">
+              <a:schemeClr val="phClr">
+                <a:tint val="100000"/>
+                <a:shade val="100000"/>
+                <a:satMod val="130000"/>
+              </a:schemeClr>
+            </a:gs>
+            <a:gs pos="100000">
+              <a:schemeClr val="phClr">
+                <a:tint val="50000"/>
+                <a:shade val="100000"/>
+                <a:satMod val="350000"/>
+              </a:schemeClr>
+            </a:gs>
+          </a:gsLst>
+          <a:lin ang="16200000" scaled="0"/>
+        </a:gradFill>
+      </a:fillStyleLst>
+      <a:lnStyleLst>
+        <a:ln w="9525" cap="flat" cmpd="sng" algn="ctr">
+          <a:solidFill>
+            <a:schemeClr val="phClr">
+              <a:shade val="95000"/>
+              <a:satMod val="105000"/>
+            </a:schemeClr>
+          </a:solidFill>
+          <a:prstDash val="solid"/>
+        </a:ln>
+        <a:ln w="25400" cap="flat" cmpd="sng" algn="ctr">
+          <a:solidFill>
+            <a:schemeClr val="phClr"/>
+          </a:solidFill>
+          <a:prstDash val="solid"/>
+        </a:ln>
+        <a:ln w="38100" cap="flat" cmpd="sng" algn="ctr">
+          <a:solidFill>
+            <a:schemeClr val="phClr"/>
+          </a:solidFill>
+          <a:prstDash val="solid"/>
+        </a:ln>
+      </a:lnStyleLst>
+      <a:effectStyleLst>
+        <a:effectStyle>
+          <a:effectLst>
+            <a:outerShdw blurRad="40000" dist="20000" dir="5400000" rotWithShape="0">
+              <a:srgbClr val="000000">
+                <a:alpha val="38000"/>
+              </a:srgbClr>
+            </a:outerShdw>
+          </a:effectLst>
+        </a:effectStyle>
+        <a:effectStyle>
+          <a:effectLst>
+            <a:outerShdw blurRad="40000" dist="23000" dir="5400000" rotWithShape="0">
+              <a:srgbClr val="000000">
+                <a:alpha val="35000"/>
+              </a:srgbClr>
+            </a:outerShdw>
+          </a:effectLst>
+        </a:effectStyle>
+        <a:effectStyle>
+          <a:effectLst>
+            <a:outerShdw blurRad="40000" dist="23000" dir="5400000" rotWithShape="0">
+              <a:srgbClr val="000000">
+                <a:alpha val="35000"/>
+              </a:srgbClr>
+            </a:outerShdw>
+          </a:effectLst>
+          <a:scene3d>
+            <a:camera prst="orthographicFront">
+              <a:rot lat="0" lon="0" rev="0"/>
+            </a:camera>
+            <a:lightRig rig="threePt" dir="t">
+              <a:rot lat="0" lon="0" rev="1200000"/>
+            </a:lightRig>
+          </a:scene3d>
+          <a:sp3d>
+            <a:bevelT w="63500" h="25400"/>
+          </a:sp3d>
+        </a:effectStyle>
+      </a:effectStyleLst>
+      <a:bgFillStyleLst>
+        <a:solidFill>
+          <a:schemeClr val="phClr"/>
+        </a:solidFill>
+        <a:gradFill rotWithShape="1">
+          <a:gsLst>
+            <a:gs pos="0">
+              <a:schemeClr val="phClr">
+                <a:tint val="40000"/>
+                <a:satMod val="350000"/>
+              </a:schemeClr>
+            </a:gs>
+            <a:gs pos="40000">
+              <a:schemeClr val="phClr">
+                <a:tint val="45000"/>
+                <a:shade val="99000"/>
+                <a:satMod val="350000"/>
+              </a:schemeClr>
+            </a:gs>
+            <a:gs pos="100000">
+              <a:schemeClr val="phClr">
+                <a:shade val="20000"/>
+                <a:satMod val="255000"/>
+              </a:schemeClr>
+            </a:gs>
+          </a:gsLst>
+          <a:path path="circle">
+            <a:fillToRect l="50000" t="-80000" r="50000" b="180000"/>
+          </a:path>
+        </a:gradFill>
+        <a:gradFill rotWithShape="1">
+          <a:gsLst>
+            <a:gs pos="0">
+              <a:schemeClr val="phClr">
+                <a:tint val="80000"/>
+                <a:satMod val="300000"/>
+              </a:schemeClr>
+            </a:gs>
+            <a:gs pos="100000">
+              <a:schemeClr val="phClr">
+                <a:shade val="30000"/>
+                <a:satMod val="200000"/>
+              </a:schemeClr>
+            </a:gs>
+          </a:gsLst>
+          <a:path path="circle">
+            <a:fillToRect l="50000" t="50000" r="50000" b="50000"/>
+          </a:path>
+        </a:gradFill>
+      </a:bgFillStyleLst>
+    </a:fmtScheme>
+  </a:themeElements>
+</a:theme>
+</file>
+
+<file path=ppt/theme/theme2.xml><?xml version="1.0" encoding="utf-8"?>
 <a:theme xmlns:a="http://schemas.openxmlformats.org/drawingml/2006/main" xmlns:r="http://schemas.openxmlformats.org/officeDocument/2006/relationships" name="Simple Light">
   <a:themeElements>
     <a:clrScheme name="Simple Light">
@@ -10430,283 +10588,4 @@
     </a:fmtScheme>
   </a:themeElements>
 </a:theme>
-</file>
-
-<file path=ppt/theme/theme2.xml><?xml version="1.0" encoding="utf-8"?>
-<a:theme xmlns:a="http://schemas.openxmlformats.org/drawingml/2006/main" xmlns:r="http://schemas.openxmlformats.org/officeDocument/2006/relationships">
-  <a:themeElements>
-    <a:clrScheme name="Default">
-      <a:dk1>
-        <a:srgbClr val="000000"/>
-      </a:dk1>
-      <a:lt1>
-        <a:srgbClr val="FFFFFF"/>
-      </a:lt1>
-      <a:dk2>
-        <a:srgbClr val="158158"/>
-      </a:dk2>
-      <a:lt2>
-        <a:srgbClr val="F3F3F3"/>
-      </a:lt2>
-      <a:accent1>
-        <a:srgbClr val="058DC7"/>
-      </a:accent1>
-      <a:accent2>
-        <a:srgbClr val="50B432"/>
-      </a:accent2>
-      <a:accent3>
-        <a:srgbClr val="ED561B"/>
-      </a:accent3>
-      <a:accent4>
-        <a:srgbClr val="EDEF00"/>
-      </a:accent4>
-      <a:accent5>
-        <a:srgbClr val="24CBE5"/>
-      </a:accent5>
-      <a:accent6>
-        <a:srgbClr val="64E572"/>
-      </a:accent6>
-      <a:hlink>
-        <a:srgbClr val="2200CC"/>
-      </a:hlink>
-      <a:folHlink>
-        <a:srgbClr val="551A8B"/>
-      </a:folHlink>
-    </a:clrScheme>
-    <a:fontScheme name="Office">
-      <a:majorFont>
-        <a:latin typeface="Arial"/>
-        <a:ea typeface=""/>
-        <a:cs typeface=""/>
-        <a:font script="Jpan" typeface="ＭＳ Ｐゴシック"/>
-        <a:font script="Hang" typeface="맑은 고딕"/>
-        <a:font script="Hans" typeface="宋体"/>
-        <a:font script="Hant" typeface="新細明體"/>
-        <a:font script="Arab" typeface="Times New Roman"/>
-        <a:font script="Hebr" typeface="Times New Roman"/>
-        <a:font script="Thai" typeface="Angsana New"/>
-        <a:font script="Ethi" typeface="Nyala"/>
-        <a:font script="Beng" typeface="Vrinda"/>
-        <a:font script="Gujr" typeface="Shruti"/>
-        <a:font script="Khmr" typeface="MoolBoran"/>
-        <a:font script="Knda" typeface="Tunga"/>
-        <a:font script="Guru" typeface="Raavi"/>
-        <a:font script="Cans" typeface="Euphemia"/>
-        <a:font script="Cher" typeface="Plantagenet Cherokee"/>
-        <a:font script="Yiii" typeface="Microsoft Yi Baiti"/>
-        <a:font script="Tibt" typeface="Microsoft Himalaya"/>
-        <a:font script="Thaa" typeface="MV Boli"/>
-        <a:font script="Deva" typeface="Mangal"/>
-        <a:font script="Telu" typeface="Gautami"/>
-        <a:font script="Taml" typeface="Latha"/>
-        <a:font script="Syrc" typeface="Estrangelo Edessa"/>
-        <a:font script="Orya" typeface="Kalinga"/>
-        <a:font script="Mlym" typeface="Kartika"/>
-        <a:font script="Laoo" typeface="DokChampa"/>
-        <a:font script="Sinh" typeface="Iskoola Pota"/>
-        <a:font script="Mong" typeface="Mongolian Baiti"/>
-        <a:font script="Viet" typeface="Times New Roman"/>
-        <a:font script="Uigh" typeface="Microsoft Uighur"/>
-        <a:font script="Geor" typeface="Sylfaen"/>
-      </a:majorFont>
-      <a:minorFont>
-        <a:latin typeface="Arial"/>
-        <a:ea typeface=""/>
-        <a:cs typeface=""/>
-        <a:font script="Jpan" typeface="ＭＳ Ｐゴシック"/>
-        <a:font script="Hang" typeface="맑은 고딕"/>
-        <a:font script="Hans" typeface="宋体"/>
-        <a:font script="Hant" typeface="新細明體"/>
-        <a:font script="Arab" typeface="Arial"/>
-        <a:font script="Hebr" typeface="Arial"/>
-        <a:font script="Thai" typeface="Cordia New"/>
-        <a:font script="Ethi" typeface="Nyala"/>
-        <a:font script="Beng" typeface="Vrinda"/>
-        <a:font script="Gujr" typeface="Shruti"/>
-        <a:font script="Khmr" typeface="DaunPenh"/>
-        <a:font script="Knda" typeface="Tunga"/>
-        <a:font script="Guru" typeface="Raavi"/>
-        <a:font script="Cans" typeface="Euphemia"/>
-        <a:font script="Cher" typeface="Plantagenet Cherokee"/>
-        <a:font script="Yiii" typeface="Microsoft Yi Baiti"/>
-        <a:font script="Tibt" typeface="Microsoft Himalaya"/>
-        <a:font script="Thaa" typeface="MV Boli"/>
-        <a:font script="Deva" typeface="Mangal"/>
-        <a:font script="Telu" typeface="Gautami"/>
-        <a:font script="Taml" typeface="Latha"/>
-        <a:font script="Syrc" typeface="Estrangelo Edessa"/>
-        <a:font script="Orya" typeface="Kalinga"/>
-        <a:font script="Mlym" typeface="Kartika"/>
-        <a:font script="Laoo" typeface="DokChampa"/>
-        <a:font script="Sinh" typeface="Iskoola Pota"/>
-        <a:font script="Mong" typeface="Mongolian Baiti"/>
-        <a:font script="Viet" typeface="Arial"/>
-        <a:font script="Uigh" typeface="Microsoft Uighur"/>
-        <a:font script="Geor" typeface="Sylfaen"/>
-      </a:minorFont>
-    </a:fontScheme>
-    <a:fmtScheme name="Office">
-      <a:fillStyleLst>
-        <a:solidFill>
-          <a:schemeClr val="phClr"/>
-        </a:solidFill>
-        <a:gradFill rotWithShape="1">
-          <a:gsLst>
-            <a:gs pos="0">
-              <a:schemeClr val="phClr">
-                <a:tint val="50000"/>
-                <a:satMod val="300000"/>
-              </a:schemeClr>
-            </a:gs>
-            <a:gs pos="35000">
-              <a:schemeClr val="phClr">
-                <a:tint val="37000"/>
-                <a:satMod val="300000"/>
-              </a:schemeClr>
-            </a:gs>
-            <a:gs pos="100000">
-              <a:schemeClr val="phClr">
-                <a:tint val="15000"/>
-                <a:satMod val="350000"/>
-              </a:schemeClr>
-            </a:gs>
-          </a:gsLst>
-          <a:lin ang="16200000" scaled="1"/>
-        </a:gradFill>
-        <a:gradFill rotWithShape="1">
-          <a:gsLst>
-            <a:gs pos="0">
-              <a:schemeClr val="phClr">
-                <a:tint val="100000"/>
-                <a:shade val="100000"/>
-                <a:satMod val="130000"/>
-              </a:schemeClr>
-            </a:gs>
-            <a:gs pos="100000">
-              <a:schemeClr val="phClr">
-                <a:tint val="50000"/>
-                <a:shade val="100000"/>
-                <a:satMod val="350000"/>
-              </a:schemeClr>
-            </a:gs>
-          </a:gsLst>
-          <a:lin ang="16200000" scaled="0"/>
-        </a:gradFill>
-      </a:fillStyleLst>
-      <a:lnStyleLst>
-        <a:ln w="9525" cap="flat" cmpd="sng" algn="ctr">
-          <a:solidFill>
-            <a:schemeClr val="phClr">
-              <a:shade val="95000"/>
-              <a:satMod val="105000"/>
-            </a:schemeClr>
-          </a:solidFill>
-          <a:prstDash val="solid"/>
-        </a:ln>
-        <a:ln w="25400" cap="flat" cmpd="sng" algn="ctr">
-          <a:solidFill>
-            <a:schemeClr val="phClr"/>
-          </a:solidFill>
-          <a:prstDash val="solid"/>
-        </a:ln>
-        <a:ln w="38100" cap="flat" cmpd="sng" algn="ctr">
-          <a:solidFill>
-            <a:schemeClr val="phClr"/>
-          </a:solidFill>
-          <a:prstDash val="solid"/>
-        </a:ln>
-      </a:lnStyleLst>
-      <a:effectStyleLst>
-        <a:effectStyle>
-          <a:effectLst>
-            <a:outerShdw blurRad="40000" dist="20000" dir="5400000" rotWithShape="0">
-              <a:srgbClr val="000000">
-                <a:alpha val="38000"/>
-              </a:srgbClr>
-            </a:outerShdw>
-          </a:effectLst>
-        </a:effectStyle>
-        <a:effectStyle>
-          <a:effectLst>
-            <a:outerShdw blurRad="40000" dist="23000" dir="5400000" rotWithShape="0">
-              <a:srgbClr val="000000">
-                <a:alpha val="35000"/>
-              </a:srgbClr>
-            </a:outerShdw>
-          </a:effectLst>
-        </a:effectStyle>
-        <a:effectStyle>
-          <a:effectLst>
-            <a:outerShdw blurRad="40000" dist="23000" dir="5400000" rotWithShape="0">
-              <a:srgbClr val="000000">
-                <a:alpha val="35000"/>
-              </a:srgbClr>
-            </a:outerShdw>
-          </a:effectLst>
-          <a:scene3d>
-            <a:camera prst="orthographicFront">
-              <a:rot lat="0" lon="0" rev="0"/>
-            </a:camera>
-            <a:lightRig rig="threePt" dir="t">
-              <a:rot lat="0" lon="0" rev="1200000"/>
-            </a:lightRig>
-          </a:scene3d>
-          <a:sp3d>
-            <a:bevelT w="63500" h="25400"/>
-          </a:sp3d>
-        </a:effectStyle>
-      </a:effectStyleLst>
-      <a:bgFillStyleLst>
-        <a:solidFill>
-          <a:schemeClr val="phClr"/>
-        </a:solidFill>
-        <a:gradFill rotWithShape="1">
-          <a:gsLst>
-            <a:gs pos="0">
-              <a:schemeClr val="phClr">
-                <a:tint val="40000"/>
-                <a:satMod val="350000"/>
-              </a:schemeClr>
-            </a:gs>
-            <a:gs pos="40000">
-              <a:schemeClr val="phClr">
-                <a:tint val="45000"/>
-                <a:shade val="99000"/>
-                <a:satMod val="350000"/>
-              </a:schemeClr>
-            </a:gs>
-            <a:gs pos="100000">
-              <a:schemeClr val="phClr">
-                <a:shade val="20000"/>
-                <a:satMod val="255000"/>
-              </a:schemeClr>
-            </a:gs>
-          </a:gsLst>
-          <a:path path="circle">
-            <a:fillToRect l="50000" t="-80000" r="50000" b="180000"/>
-          </a:path>
-        </a:gradFill>
-        <a:gradFill rotWithShape="1">
-          <a:gsLst>
-            <a:gs pos="0">
-              <a:schemeClr val="phClr">
-                <a:tint val="80000"/>
-                <a:satMod val="300000"/>
-              </a:schemeClr>
-            </a:gs>
-            <a:gs pos="100000">
-              <a:schemeClr val="phClr">
-                <a:shade val="30000"/>
-                <a:satMod val="200000"/>
-              </a:schemeClr>
-            </a:gs>
-          </a:gsLst>
-          <a:path path="circle">
-            <a:fillToRect l="50000" t="50000" r="50000" b="50000"/>
-          </a:path>
-        </a:gradFill>
-      </a:bgFillStyleLst>
-    </a:fmtScheme>
-  </a:themeElements>
-</a:theme>
 </file>